--- a/Samuel/GitHub Cheatsheet.pptx
+++ b/Samuel/GitHub Cheatsheet.pptx
@@ -21984,423 +21984,6 @@
       </p:grpSpPr>
       <p:sp>
         <p:nvSpPr>
-          <p:cNvPr id="9" name="TextBox 8">
-            <a:extLst>
-              <a:ext uri="{FF2B5EF4-FFF2-40B4-BE49-F238E27FC236}">
-                <a16:creationId xmlns:a16="http://schemas.microsoft.com/office/drawing/2014/main" id="{AEA0D76A-C7AA-E48E-EB07-84ADD0377550}"/>
-              </a:ext>
-            </a:extLst>
-          </p:cNvPr>
-          <p:cNvSpPr txBox="1"/>
-          <p:nvPr/>
-        </p:nvSpPr>
-        <p:spPr>
-          <a:xfrm>
-            <a:off x="5348745" y="877474"/>
-            <a:ext cx="2476255" cy="5478423"/>
-          </a:xfrm>
-          <a:prstGeom prst="rect">
-            <a:avLst/>
-          </a:prstGeom>
-          <a:noFill/>
-          <a:ln>
-            <a:solidFill>
-              <a:schemeClr val="bg1"/>
-            </a:solidFill>
-          </a:ln>
-        </p:spPr>
-        <p:txBody>
-          <a:bodyPr wrap="none" rtlCol="0">
-            <a:spAutoFit/>
-          </a:bodyPr>
-          <a:lstStyle/>
-          <a:p>
-            <a:pPr marL="285750" indent="-285750">
-              <a:buFont typeface="Wingdings" panose="05000000000000000000" pitchFamily="2" charset="2"/>
-              <a:buChar char="§"/>
-            </a:pPr>
-            <a:r>
-              <a:rPr lang="en-GB" sz="1400" b="1" dirty="0">
-                <a:solidFill>
-                  <a:schemeClr val="tx2">
-                    <a:lumMod val="25000"/>
-                    <a:lumOff val="75000"/>
-                  </a:schemeClr>
-                </a:solidFill>
-              </a:rPr>
-              <a:t>Resources</a:t>
-            </a:r>
-          </a:p>
-          <a:p>
-            <a:pPr marL="285750" indent="-285750">
-              <a:buFont typeface="Wingdings" panose="05000000000000000000" pitchFamily="2" charset="2"/>
-              <a:buChar char="§"/>
-            </a:pPr>
-            <a:r>
-              <a:rPr lang="en-GB" sz="1400" b="1" dirty="0">
-                <a:solidFill>
-                  <a:schemeClr val="tx2">
-                    <a:lumMod val="25000"/>
-                    <a:lumOff val="75000"/>
-                  </a:schemeClr>
-                </a:solidFill>
-              </a:rPr>
-              <a:t>Rendering</a:t>
-            </a:r>
-          </a:p>
-          <a:p>
-            <a:pPr marL="742950" lvl="1" indent="-285750">
-              <a:buFont typeface="Wingdings" panose="05000000000000000000" pitchFamily="2" charset="2"/>
-              <a:buChar char="§"/>
-            </a:pPr>
-            <a:r>
-              <a:rPr lang="en-GB" sz="1400" dirty="0">
-                <a:solidFill>
-                  <a:schemeClr val="bg1"/>
-                </a:solidFill>
-              </a:rPr>
-              <a:t>Shaders</a:t>
-            </a:r>
-          </a:p>
-          <a:p>
-            <a:pPr marL="285750" indent="-285750">
-              <a:buFont typeface="Wingdings" panose="05000000000000000000" pitchFamily="2" charset="2"/>
-              <a:buChar char="§"/>
-            </a:pPr>
-            <a:r>
-              <a:rPr lang="en-GB" sz="1400" b="1" dirty="0">
-                <a:solidFill>
-                  <a:schemeClr val="tx2">
-                    <a:lumMod val="25000"/>
-                    <a:lumOff val="75000"/>
-                  </a:schemeClr>
-                </a:solidFill>
-              </a:rPr>
-              <a:t>Settings</a:t>
-            </a:r>
-          </a:p>
-          <a:p>
-            <a:pPr marL="285750" indent="-285750">
-              <a:buFont typeface="Wingdings" panose="05000000000000000000" pitchFamily="2" charset="2"/>
-              <a:buChar char="§"/>
-            </a:pPr>
-            <a:r>
-              <a:rPr lang="en-GB" sz="1400" b="1" dirty="0">
-                <a:solidFill>
-                  <a:schemeClr val="tx2">
-                    <a:lumMod val="25000"/>
-                    <a:lumOff val="75000"/>
-                  </a:schemeClr>
-                </a:solidFill>
-              </a:rPr>
-              <a:t>Audio</a:t>
-            </a:r>
-          </a:p>
-          <a:p>
-            <a:pPr marL="742950" lvl="1" indent="-285750">
-              <a:buFont typeface="Wingdings" panose="05000000000000000000" pitchFamily="2" charset="2"/>
-              <a:buChar char="§"/>
-            </a:pPr>
-            <a:r>
-              <a:rPr lang="en-GB" sz="1400" dirty="0">
-                <a:solidFill>
-                  <a:schemeClr val="bg1"/>
-                </a:solidFill>
-              </a:rPr>
-              <a:t>Music</a:t>
-            </a:r>
-          </a:p>
-          <a:p>
-            <a:pPr marL="742950" lvl="1" indent="-285750">
-              <a:buFont typeface="Wingdings" panose="05000000000000000000" pitchFamily="2" charset="2"/>
-              <a:buChar char="§"/>
-            </a:pPr>
-            <a:r>
-              <a:rPr lang="en-GB" sz="1400" dirty="0">
-                <a:solidFill>
-                  <a:schemeClr val="bg1"/>
-                </a:solidFill>
-              </a:rPr>
-              <a:t>Ambient</a:t>
-            </a:r>
-          </a:p>
-          <a:p>
-            <a:pPr marL="742950" lvl="1" indent="-285750">
-              <a:buFont typeface="Wingdings" panose="05000000000000000000" pitchFamily="2" charset="2"/>
-              <a:buChar char="§"/>
-            </a:pPr>
-            <a:r>
-              <a:rPr lang="en-GB" sz="1400" dirty="0">
-                <a:solidFill>
-                  <a:schemeClr val="bg1"/>
-                </a:solidFill>
-              </a:rPr>
-              <a:t>Samples</a:t>
-            </a:r>
-          </a:p>
-          <a:p>
-            <a:pPr marL="285750" indent="-285750">
-              <a:buFont typeface="Wingdings" panose="05000000000000000000" pitchFamily="2" charset="2"/>
-              <a:buChar char="§"/>
-            </a:pPr>
-            <a:r>
-              <a:rPr lang="en-GB" sz="1400" b="1" dirty="0">
-                <a:solidFill>
-                  <a:schemeClr val="tx2">
-                    <a:lumMod val="25000"/>
-                    <a:lumOff val="75000"/>
-                  </a:schemeClr>
-                </a:solidFill>
-              </a:rPr>
-              <a:t>Scripts</a:t>
-            </a:r>
-          </a:p>
-          <a:p>
-            <a:pPr marL="742950" lvl="1" indent="-285750">
-              <a:buFont typeface="Wingdings" panose="05000000000000000000" pitchFamily="2" charset="2"/>
-              <a:buChar char="§"/>
-            </a:pPr>
-            <a:r>
-              <a:rPr lang="en-GB" sz="1400" dirty="0">
-                <a:solidFill>
-                  <a:schemeClr val="bg1"/>
-                </a:solidFill>
-              </a:rPr>
-              <a:t>Library</a:t>
-            </a:r>
-          </a:p>
-          <a:p>
-            <a:pPr marL="742950" lvl="1" indent="-285750">
-              <a:buFont typeface="Wingdings" panose="05000000000000000000" pitchFamily="2" charset="2"/>
-              <a:buChar char="§"/>
-            </a:pPr>
-            <a:r>
-              <a:rPr lang="en-GB" sz="1400" dirty="0">
-                <a:solidFill>
-                  <a:schemeClr val="bg1"/>
-                </a:solidFill>
-              </a:rPr>
-              <a:t>Editor</a:t>
-            </a:r>
-          </a:p>
-          <a:p>
-            <a:pPr marL="742950" lvl="1" indent="-285750">
-              <a:buFont typeface="Wingdings" panose="05000000000000000000" pitchFamily="2" charset="2"/>
-              <a:buChar char="§"/>
-            </a:pPr>
-            <a:r>
-              <a:rPr lang="en-GB" sz="1400" dirty="0">
-                <a:solidFill>
-                  <a:schemeClr val="bg1"/>
-                </a:solidFill>
-              </a:rPr>
-              <a:t>Architecture</a:t>
-            </a:r>
-          </a:p>
-          <a:p>
-            <a:pPr marL="742950" lvl="1" indent="-285750">
-              <a:buFont typeface="Wingdings" panose="05000000000000000000" pitchFamily="2" charset="2"/>
-              <a:buChar char="§"/>
-            </a:pPr>
-            <a:r>
-              <a:rPr lang="en-GB" sz="1400" dirty="0" err="1">
-                <a:solidFill>
-                  <a:schemeClr val="bg1"/>
-                </a:solidFill>
-              </a:rPr>
-              <a:t>GameObjects</a:t>
-            </a:r>
-            <a:endParaRPr lang="en-GB" sz="1400" dirty="0">
-              <a:solidFill>
-                <a:schemeClr val="bg1"/>
-              </a:solidFill>
-            </a:endParaRPr>
-          </a:p>
-          <a:p>
-            <a:pPr marL="742950" lvl="1" indent="-285750">
-              <a:buFont typeface="Wingdings" panose="05000000000000000000" pitchFamily="2" charset="2"/>
-              <a:buChar char="§"/>
-            </a:pPr>
-            <a:r>
-              <a:rPr lang="en-GB" sz="1400" dirty="0" err="1">
-                <a:solidFill>
-                  <a:schemeClr val="bg1"/>
-                </a:solidFill>
-              </a:rPr>
-              <a:t>ScriptableObjects</a:t>
-            </a:r>
-            <a:endParaRPr lang="en-GB" sz="1400" dirty="0">
-              <a:solidFill>
-                <a:schemeClr val="bg1"/>
-              </a:solidFill>
-            </a:endParaRPr>
-          </a:p>
-          <a:p>
-            <a:pPr marL="742950" lvl="1" indent="-285750">
-              <a:buFont typeface="Wingdings" panose="05000000000000000000" pitchFamily="2" charset="2"/>
-              <a:buChar char="§"/>
-            </a:pPr>
-            <a:r>
-              <a:rPr lang="en-GB" sz="1400" dirty="0">
-                <a:solidFill>
-                  <a:schemeClr val="bg1"/>
-                </a:solidFill>
-              </a:rPr>
-              <a:t>Strings</a:t>
-            </a:r>
-          </a:p>
-          <a:p>
-            <a:pPr marL="285750" indent="-285750">
-              <a:buFont typeface="Wingdings" panose="05000000000000000000" pitchFamily="2" charset="2"/>
-              <a:buChar char="§"/>
-            </a:pPr>
-            <a:r>
-              <a:rPr lang="en-GB" sz="1400" b="1" dirty="0">
-                <a:solidFill>
-                  <a:schemeClr val="tx2">
-                    <a:lumMod val="25000"/>
-                    <a:lumOff val="75000"/>
-                  </a:schemeClr>
-                </a:solidFill>
-              </a:rPr>
-              <a:t>Prefabs</a:t>
-            </a:r>
-          </a:p>
-          <a:p>
-            <a:pPr marL="742950" lvl="1" indent="-285750">
-              <a:buFont typeface="Wingdings" panose="05000000000000000000" pitchFamily="2" charset="2"/>
-              <a:buChar char="§"/>
-            </a:pPr>
-            <a:r>
-              <a:rPr lang="en-GB" sz="1400" dirty="0">
-                <a:solidFill>
-                  <a:schemeClr val="bg1"/>
-                </a:solidFill>
-              </a:rPr>
-              <a:t>UI</a:t>
-            </a:r>
-          </a:p>
-          <a:p>
-            <a:pPr marL="742950" lvl="1" indent="-285750">
-              <a:buFont typeface="Wingdings" panose="05000000000000000000" pitchFamily="2" charset="2"/>
-              <a:buChar char="§"/>
-            </a:pPr>
-            <a:r>
-              <a:rPr lang="en-GB" sz="1400" dirty="0">
-                <a:solidFill>
-                  <a:schemeClr val="bg1"/>
-                </a:solidFill>
-              </a:rPr>
-              <a:t>Components</a:t>
-            </a:r>
-          </a:p>
-          <a:p>
-            <a:pPr marL="1200150" lvl="2" indent="-285750">
-              <a:buFont typeface="Wingdings" panose="05000000000000000000" pitchFamily="2" charset="2"/>
-              <a:buChar char="§"/>
-            </a:pPr>
-            <a:r>
-              <a:rPr lang="en-GB" sz="1400" dirty="0">
-                <a:solidFill>
-                  <a:schemeClr val="bg1"/>
-                </a:solidFill>
-              </a:rPr>
-              <a:t>Managers</a:t>
-            </a:r>
-          </a:p>
-          <a:p>
-            <a:pPr marL="1200150" lvl="2" indent="-285750">
-              <a:buFont typeface="Wingdings" panose="05000000000000000000" pitchFamily="2" charset="2"/>
-              <a:buChar char="§"/>
-            </a:pPr>
-            <a:r>
-              <a:rPr lang="en-GB" sz="1400" dirty="0">
-                <a:solidFill>
-                  <a:schemeClr val="bg1"/>
-                </a:solidFill>
-              </a:rPr>
-              <a:t>Controllers</a:t>
-            </a:r>
-          </a:p>
-          <a:p>
-            <a:pPr marL="1200150" lvl="2" indent="-285750">
-              <a:buFont typeface="Wingdings" panose="05000000000000000000" pitchFamily="2" charset="2"/>
-              <a:buChar char="§"/>
-            </a:pPr>
-            <a:r>
-              <a:rPr lang="en-GB" sz="1400" dirty="0" err="1">
-                <a:solidFill>
-                  <a:schemeClr val="bg1"/>
-                </a:solidFill>
-              </a:rPr>
-              <a:t>GameObjects</a:t>
-            </a:r>
-            <a:endParaRPr lang="en-GB" sz="1400" dirty="0">
-              <a:solidFill>
-                <a:schemeClr val="bg1"/>
-              </a:solidFill>
-            </a:endParaRPr>
-          </a:p>
-          <a:p>
-            <a:pPr marL="742950" lvl="1" indent="-285750">
-              <a:buFont typeface="Wingdings" panose="05000000000000000000" pitchFamily="2" charset="2"/>
-              <a:buChar char="§"/>
-            </a:pPr>
-            <a:r>
-              <a:rPr lang="en-GB" sz="1400" dirty="0">
-                <a:solidFill>
-                  <a:schemeClr val="bg1"/>
-                </a:solidFill>
-              </a:rPr>
-              <a:t>Scenery</a:t>
-            </a:r>
-          </a:p>
-          <a:p>
-            <a:pPr marL="742950" lvl="1" indent="-285750">
-              <a:buFont typeface="Wingdings" panose="05000000000000000000" pitchFamily="2" charset="2"/>
-              <a:buChar char="§"/>
-            </a:pPr>
-            <a:r>
-              <a:rPr lang="en-GB" sz="1400" dirty="0">
-                <a:solidFill>
-                  <a:schemeClr val="bg1"/>
-                </a:solidFill>
-              </a:rPr>
-              <a:t>Props</a:t>
-            </a:r>
-          </a:p>
-          <a:p>
-            <a:pPr marL="742950" lvl="1" indent="-285750">
-              <a:buFont typeface="Wingdings" panose="05000000000000000000" pitchFamily="2" charset="2"/>
-              <a:buChar char="§"/>
-            </a:pPr>
-            <a:r>
-              <a:rPr lang="en-GB" sz="1400" dirty="0">
-                <a:solidFill>
-                  <a:schemeClr val="bg1"/>
-                </a:solidFill>
-              </a:rPr>
-              <a:t>Characters</a:t>
-            </a:r>
-          </a:p>
-          <a:p>
-            <a:pPr marL="742950" lvl="1" indent="-285750">
-              <a:buFont typeface="Wingdings" panose="05000000000000000000" pitchFamily="2" charset="2"/>
-              <a:buChar char="§"/>
-            </a:pPr>
-            <a:r>
-              <a:rPr lang="en-GB" sz="1400" dirty="0">
-                <a:solidFill>
-                  <a:schemeClr val="bg1"/>
-                </a:solidFill>
-              </a:rPr>
-              <a:t>Effects</a:t>
-            </a:r>
-          </a:p>
-        </p:txBody>
-      </p:sp>
-      <p:sp>
-        <p:nvSpPr>
           <p:cNvPr id="3" name="TextBox 2">
             <a:extLst>
               <a:ext uri="{FF2B5EF4-FFF2-40B4-BE49-F238E27FC236}">
@@ -22443,1885 +22026,6 @@
           </a:p>
         </p:txBody>
       </p:sp>
-      <p:cxnSp>
-        <p:nvCxnSpPr>
-          <p:cNvPr id="10" name="Straight Connector 9">
-            <a:extLst>
-              <a:ext uri="{FF2B5EF4-FFF2-40B4-BE49-F238E27FC236}">
-                <a16:creationId xmlns:a16="http://schemas.microsoft.com/office/drawing/2014/main" id="{B0B2F113-1A6A-C708-3B5D-54B574A55B94}"/>
-              </a:ext>
-            </a:extLst>
-          </p:cNvPr>
-          <p:cNvCxnSpPr>
-            <a:cxnSpLocks/>
-          </p:cNvCxnSpPr>
-          <p:nvPr/>
-        </p:nvCxnSpPr>
-        <p:spPr>
-          <a:xfrm>
-            <a:off x="5475514" y="996298"/>
-            <a:ext cx="0" cy="4972461"/>
-          </a:xfrm>
-          <a:prstGeom prst="line">
-            <a:avLst/>
-          </a:prstGeom>
-          <a:ln>
-            <a:solidFill>
-              <a:schemeClr val="bg1"/>
-            </a:solidFill>
-          </a:ln>
-        </p:spPr>
-        <p:style>
-          <a:lnRef idx="2">
-            <a:schemeClr val="accent1"/>
-          </a:lnRef>
-          <a:fillRef idx="0">
-            <a:schemeClr val="accent1"/>
-          </a:fillRef>
-          <a:effectRef idx="1">
-            <a:schemeClr val="accent1"/>
-          </a:effectRef>
-          <a:fontRef idx="minor">
-            <a:schemeClr val="tx1"/>
-          </a:fontRef>
-        </p:style>
-      </p:cxnSp>
-      <p:cxnSp>
-        <p:nvCxnSpPr>
-          <p:cNvPr id="34" name="Straight Connector 33">
-            <a:extLst>
-              <a:ext uri="{FF2B5EF4-FFF2-40B4-BE49-F238E27FC236}">
-                <a16:creationId xmlns:a16="http://schemas.microsoft.com/office/drawing/2014/main" id="{B8A9488D-96C6-0BFC-6EFC-07717864C49E}"/>
-              </a:ext>
-            </a:extLst>
-          </p:cNvPr>
-          <p:cNvCxnSpPr>
-            <a:cxnSpLocks/>
-          </p:cNvCxnSpPr>
-          <p:nvPr/>
-        </p:nvCxnSpPr>
-        <p:spPr>
-          <a:xfrm flipH="1">
-            <a:off x="7985392" y="996298"/>
-            <a:ext cx="547" cy="3239127"/>
-          </a:xfrm>
-          <a:prstGeom prst="line">
-            <a:avLst/>
-          </a:prstGeom>
-          <a:ln>
-            <a:solidFill>
-              <a:schemeClr val="bg1"/>
-            </a:solidFill>
-          </a:ln>
-        </p:spPr>
-        <p:style>
-          <a:lnRef idx="2">
-            <a:schemeClr val="accent1"/>
-          </a:lnRef>
-          <a:fillRef idx="0">
-            <a:schemeClr val="accent1"/>
-          </a:fillRef>
-          <a:effectRef idx="1">
-            <a:schemeClr val="accent1"/>
-          </a:effectRef>
-          <a:fontRef idx="minor">
-            <a:schemeClr val="tx1"/>
-          </a:fontRef>
-        </p:style>
-      </p:cxnSp>
-      <p:sp>
-        <p:nvSpPr>
-          <p:cNvPr id="8" name="TextBox 7">
-            <a:extLst>
-              <a:ext uri="{FF2B5EF4-FFF2-40B4-BE49-F238E27FC236}">
-                <a16:creationId xmlns:a16="http://schemas.microsoft.com/office/drawing/2014/main" id="{D93B759C-49FA-D9BC-F785-B8E01874CD9A}"/>
-              </a:ext>
-            </a:extLst>
-          </p:cNvPr>
-          <p:cNvSpPr txBox="1"/>
-          <p:nvPr/>
-        </p:nvSpPr>
-        <p:spPr>
-          <a:xfrm>
-            <a:off x="7863001" y="872473"/>
-            <a:ext cx="2499146" cy="3754874"/>
-          </a:xfrm>
-          <a:prstGeom prst="rect">
-            <a:avLst/>
-          </a:prstGeom>
-          <a:noFill/>
-        </p:spPr>
-        <p:txBody>
-          <a:bodyPr wrap="none" rtlCol="0">
-            <a:spAutoFit/>
-          </a:bodyPr>
-          <a:lstStyle/>
-          <a:p>
-            <a:pPr marL="285750" indent="-285750">
-              <a:buFont typeface="Wingdings" panose="05000000000000000000" pitchFamily="2" charset="2"/>
-              <a:buChar char="§"/>
-            </a:pPr>
-            <a:r>
-              <a:rPr lang="en-GB" sz="1400" b="1" dirty="0">
-                <a:solidFill>
-                  <a:schemeClr val="tx2">
-                    <a:lumMod val="25000"/>
-                    <a:lumOff val="75000"/>
-                  </a:schemeClr>
-                </a:solidFill>
-              </a:rPr>
-              <a:t>Animators</a:t>
-            </a:r>
-          </a:p>
-          <a:p>
-            <a:pPr marL="285750" indent="-285750">
-              <a:buFont typeface="Wingdings" panose="05000000000000000000" pitchFamily="2" charset="2"/>
-              <a:buChar char="§"/>
-            </a:pPr>
-            <a:r>
-              <a:rPr lang="en-GB" sz="1400" b="1" dirty="0">
-                <a:solidFill>
-                  <a:schemeClr val="tx2">
-                    <a:lumMod val="25000"/>
-                    <a:lumOff val="75000"/>
-                  </a:schemeClr>
-                </a:solidFill>
-              </a:rPr>
-              <a:t>Models</a:t>
-            </a:r>
-          </a:p>
-          <a:p>
-            <a:pPr marL="742950" lvl="1" indent="-285750">
-              <a:buFont typeface="Wingdings" panose="05000000000000000000" pitchFamily="2" charset="2"/>
-              <a:buChar char="§"/>
-            </a:pPr>
-            <a:r>
-              <a:rPr lang="en-GB" sz="1400" dirty="0">
-                <a:solidFill>
-                  <a:schemeClr val="bg1"/>
-                </a:solidFill>
-              </a:rPr>
-              <a:t>Scenery</a:t>
-            </a:r>
-          </a:p>
-          <a:p>
-            <a:pPr marL="1200150" lvl="2" indent="-285750">
-              <a:buFont typeface="Wingdings" panose="05000000000000000000" pitchFamily="2" charset="2"/>
-              <a:buChar char="§"/>
-            </a:pPr>
-            <a:r>
-              <a:rPr lang="en-GB" sz="1400" dirty="0">
-                <a:solidFill>
-                  <a:schemeClr val="bg1"/>
-                </a:solidFill>
-              </a:rPr>
-              <a:t>Meshes</a:t>
-            </a:r>
-          </a:p>
-          <a:p>
-            <a:pPr marL="1200150" lvl="2" indent="-285750">
-              <a:buFont typeface="Wingdings" panose="05000000000000000000" pitchFamily="2" charset="2"/>
-              <a:buChar char="§"/>
-            </a:pPr>
-            <a:r>
-              <a:rPr lang="en-GB" sz="1400" dirty="0">
-                <a:solidFill>
-                  <a:schemeClr val="bg1"/>
-                </a:solidFill>
-              </a:rPr>
-              <a:t>Materials</a:t>
-            </a:r>
-          </a:p>
-          <a:p>
-            <a:pPr marL="1657350" lvl="3" indent="-285750">
-              <a:buFont typeface="Wingdings" panose="05000000000000000000" pitchFamily="2" charset="2"/>
-              <a:buChar char="§"/>
-            </a:pPr>
-            <a:r>
-              <a:rPr lang="en-GB" sz="1400" dirty="0">
-                <a:solidFill>
-                  <a:schemeClr val="bg1"/>
-                </a:solidFill>
-              </a:rPr>
-              <a:t>Textures</a:t>
-            </a:r>
-          </a:p>
-          <a:p>
-            <a:pPr marL="742950" lvl="1" indent="-285750">
-              <a:buFont typeface="Wingdings" panose="05000000000000000000" pitchFamily="2" charset="2"/>
-              <a:buChar char="§"/>
-            </a:pPr>
-            <a:r>
-              <a:rPr lang="en-GB" sz="1400" dirty="0">
-                <a:solidFill>
-                  <a:schemeClr val="bg1"/>
-                </a:solidFill>
-              </a:rPr>
-              <a:t>Props</a:t>
-            </a:r>
-          </a:p>
-          <a:p>
-            <a:pPr marL="1200150" lvl="2" indent="-285750">
-              <a:buFont typeface="Wingdings" panose="05000000000000000000" pitchFamily="2" charset="2"/>
-              <a:buChar char="§"/>
-            </a:pPr>
-            <a:r>
-              <a:rPr lang="en-GB" sz="1400" dirty="0">
-                <a:solidFill>
-                  <a:schemeClr val="bg1"/>
-                </a:solidFill>
-              </a:rPr>
-              <a:t>Meshes</a:t>
-            </a:r>
-          </a:p>
-          <a:p>
-            <a:pPr marL="1200150" lvl="2" indent="-285750">
-              <a:buFont typeface="Wingdings" panose="05000000000000000000" pitchFamily="2" charset="2"/>
-              <a:buChar char="§"/>
-            </a:pPr>
-            <a:r>
-              <a:rPr lang="en-GB" sz="1400" dirty="0">
-                <a:solidFill>
-                  <a:schemeClr val="bg1"/>
-                </a:solidFill>
-              </a:rPr>
-              <a:t>Materials</a:t>
-            </a:r>
-          </a:p>
-          <a:p>
-            <a:pPr marL="1657350" lvl="3" indent="-285750">
-              <a:buFont typeface="Wingdings" panose="05000000000000000000" pitchFamily="2" charset="2"/>
-              <a:buChar char="§"/>
-            </a:pPr>
-            <a:r>
-              <a:rPr lang="en-GB" sz="1400" dirty="0">
-                <a:solidFill>
-                  <a:schemeClr val="bg1"/>
-                </a:solidFill>
-              </a:rPr>
-              <a:t>Textures</a:t>
-            </a:r>
-          </a:p>
-          <a:p>
-            <a:pPr marL="742950" lvl="1" indent="-285750">
-              <a:buFont typeface="Wingdings" panose="05000000000000000000" pitchFamily="2" charset="2"/>
-              <a:buChar char="§"/>
-            </a:pPr>
-            <a:r>
-              <a:rPr lang="en-GB" sz="1400" dirty="0">
-                <a:solidFill>
-                  <a:schemeClr val="bg1"/>
-                </a:solidFill>
-              </a:rPr>
-              <a:t>Characters</a:t>
-            </a:r>
-          </a:p>
-          <a:p>
-            <a:pPr marL="1200150" lvl="2" indent="-285750">
-              <a:buFont typeface="Wingdings" panose="05000000000000000000" pitchFamily="2" charset="2"/>
-              <a:buChar char="§"/>
-            </a:pPr>
-            <a:r>
-              <a:rPr lang="en-GB" sz="1400" dirty="0">
-                <a:solidFill>
-                  <a:schemeClr val="bg1"/>
-                </a:solidFill>
-              </a:rPr>
-              <a:t>Meshes</a:t>
-            </a:r>
-          </a:p>
-          <a:p>
-            <a:pPr marL="1200150" lvl="2" indent="-285750">
-              <a:buFont typeface="Wingdings" panose="05000000000000000000" pitchFamily="2" charset="2"/>
-              <a:buChar char="§"/>
-            </a:pPr>
-            <a:r>
-              <a:rPr lang="en-GB" sz="1400" dirty="0">
-                <a:solidFill>
-                  <a:schemeClr val="bg1"/>
-                </a:solidFill>
-              </a:rPr>
-              <a:t>Materials</a:t>
-            </a:r>
-          </a:p>
-          <a:p>
-            <a:pPr marL="1657350" lvl="3" indent="-285750">
-              <a:buFont typeface="Wingdings" panose="05000000000000000000" pitchFamily="2" charset="2"/>
-              <a:buChar char="§"/>
-            </a:pPr>
-            <a:r>
-              <a:rPr lang="en-GB" sz="1400" dirty="0">
-                <a:solidFill>
-                  <a:schemeClr val="bg1"/>
-                </a:solidFill>
-              </a:rPr>
-              <a:t>Textures</a:t>
-            </a:r>
-          </a:p>
-          <a:p>
-            <a:pPr marL="285750" indent="-285750">
-              <a:buFont typeface="Wingdings" panose="05000000000000000000" pitchFamily="2" charset="2"/>
-              <a:buChar char="§"/>
-            </a:pPr>
-            <a:r>
-              <a:rPr lang="en-GB" sz="1400" b="1" dirty="0">
-                <a:solidFill>
-                  <a:schemeClr val="tx2">
-                    <a:lumMod val="25000"/>
-                    <a:lumOff val="75000"/>
-                  </a:schemeClr>
-                </a:solidFill>
-              </a:rPr>
-              <a:t>Scenes</a:t>
-            </a:r>
-          </a:p>
-          <a:p>
-            <a:pPr marL="285750" indent="-285750">
-              <a:buFont typeface="Wingdings" panose="05000000000000000000" pitchFamily="2" charset="2"/>
-              <a:buChar char="§"/>
-            </a:pPr>
-            <a:r>
-              <a:rPr lang="en-GB" sz="1400" b="1" dirty="0">
-                <a:solidFill>
-                  <a:schemeClr val="accent2">
-                    <a:lumMod val="75000"/>
-                  </a:schemeClr>
-                </a:solidFill>
-              </a:rPr>
-              <a:t>WIP</a:t>
-            </a:r>
-          </a:p>
-          <a:p>
-            <a:endParaRPr lang="en-GB" sz="1400" dirty="0">
-              <a:solidFill>
-                <a:schemeClr val="bg1"/>
-              </a:solidFill>
-            </a:endParaRPr>
-          </a:p>
-        </p:txBody>
-      </p:sp>
-      <p:cxnSp>
-        <p:nvCxnSpPr>
-          <p:cNvPr id="11" name="Connector: Curved 10">
-            <a:extLst>
-              <a:ext uri="{FF2B5EF4-FFF2-40B4-BE49-F238E27FC236}">
-                <a16:creationId xmlns:a16="http://schemas.microsoft.com/office/drawing/2014/main" id="{3602FC56-2423-DFEF-C713-095889E7AE93}"/>
-              </a:ext>
-            </a:extLst>
-          </p:cNvPr>
-          <p:cNvCxnSpPr>
-            <a:cxnSpLocks/>
-          </p:cNvCxnSpPr>
-          <p:nvPr/>
-        </p:nvCxnSpPr>
-        <p:spPr>
-          <a:xfrm>
-            <a:off x="5475514" y="1905817"/>
-            <a:ext cx="476250" cy="180975"/>
-          </a:xfrm>
-          <a:prstGeom prst="curvedConnector3">
-            <a:avLst>
-              <a:gd name="adj1" fmla="val 0"/>
-            </a:avLst>
-          </a:prstGeom>
-          <a:ln>
-            <a:solidFill>
-              <a:schemeClr val="bg1"/>
-            </a:solidFill>
-          </a:ln>
-        </p:spPr>
-        <p:style>
-          <a:lnRef idx="2">
-            <a:schemeClr val="accent1"/>
-          </a:lnRef>
-          <a:fillRef idx="0">
-            <a:schemeClr val="accent1"/>
-          </a:fillRef>
-          <a:effectRef idx="1">
-            <a:schemeClr val="accent1"/>
-          </a:effectRef>
-          <a:fontRef idx="minor">
-            <a:schemeClr val="tx1"/>
-          </a:fontRef>
-        </p:style>
-      </p:cxnSp>
-      <p:cxnSp>
-        <p:nvCxnSpPr>
-          <p:cNvPr id="12" name="Connector: Curved 11">
-            <a:extLst>
-              <a:ext uri="{FF2B5EF4-FFF2-40B4-BE49-F238E27FC236}">
-                <a16:creationId xmlns:a16="http://schemas.microsoft.com/office/drawing/2014/main" id="{D78539EB-FB63-9428-A7E0-A009DFEF9F0C}"/>
-              </a:ext>
-            </a:extLst>
-          </p:cNvPr>
-          <p:cNvCxnSpPr>
-            <a:cxnSpLocks/>
-          </p:cNvCxnSpPr>
-          <p:nvPr/>
-        </p:nvCxnSpPr>
-        <p:spPr>
-          <a:xfrm>
-            <a:off x="5475514" y="2115367"/>
-            <a:ext cx="476250" cy="180975"/>
-          </a:xfrm>
-          <a:prstGeom prst="curvedConnector3">
-            <a:avLst>
-              <a:gd name="adj1" fmla="val 0"/>
-            </a:avLst>
-          </a:prstGeom>
-          <a:ln>
-            <a:solidFill>
-              <a:schemeClr val="bg1"/>
-            </a:solidFill>
-          </a:ln>
-        </p:spPr>
-        <p:style>
-          <a:lnRef idx="2">
-            <a:schemeClr val="accent1"/>
-          </a:lnRef>
-          <a:fillRef idx="0">
-            <a:schemeClr val="accent1"/>
-          </a:fillRef>
-          <a:effectRef idx="1">
-            <a:schemeClr val="accent1"/>
-          </a:effectRef>
-          <a:fontRef idx="minor">
-            <a:schemeClr val="tx1"/>
-          </a:fontRef>
-        </p:style>
-      </p:cxnSp>
-      <p:cxnSp>
-        <p:nvCxnSpPr>
-          <p:cNvPr id="13" name="Connector: Curved 12">
-            <a:extLst>
-              <a:ext uri="{FF2B5EF4-FFF2-40B4-BE49-F238E27FC236}">
-                <a16:creationId xmlns:a16="http://schemas.microsoft.com/office/drawing/2014/main" id="{7628AAA4-2BA5-4E61-4529-2E26E0C0A8D0}"/>
-              </a:ext>
-            </a:extLst>
-          </p:cNvPr>
-          <p:cNvCxnSpPr>
-            <a:cxnSpLocks/>
-          </p:cNvCxnSpPr>
-          <p:nvPr/>
-        </p:nvCxnSpPr>
-        <p:spPr>
-          <a:xfrm>
-            <a:off x="5475514" y="2343967"/>
-            <a:ext cx="476250" cy="180975"/>
-          </a:xfrm>
-          <a:prstGeom prst="curvedConnector3">
-            <a:avLst>
-              <a:gd name="adj1" fmla="val 0"/>
-            </a:avLst>
-          </a:prstGeom>
-          <a:ln>
-            <a:solidFill>
-              <a:schemeClr val="bg1"/>
-            </a:solidFill>
-          </a:ln>
-        </p:spPr>
-        <p:style>
-          <a:lnRef idx="2">
-            <a:schemeClr val="accent1"/>
-          </a:lnRef>
-          <a:fillRef idx="0">
-            <a:schemeClr val="accent1"/>
-          </a:fillRef>
-          <a:effectRef idx="1">
-            <a:schemeClr val="accent1"/>
-          </a:effectRef>
-          <a:fontRef idx="minor">
-            <a:schemeClr val="tx1"/>
-          </a:fontRef>
-        </p:style>
-      </p:cxnSp>
-      <p:cxnSp>
-        <p:nvCxnSpPr>
-          <p:cNvPr id="14" name="Connector: Curved 13">
-            <a:extLst>
-              <a:ext uri="{FF2B5EF4-FFF2-40B4-BE49-F238E27FC236}">
-                <a16:creationId xmlns:a16="http://schemas.microsoft.com/office/drawing/2014/main" id="{30B23DAB-84A8-90D4-DEA4-EF2C5DA45DD2}"/>
-              </a:ext>
-            </a:extLst>
-          </p:cNvPr>
-          <p:cNvCxnSpPr>
-            <a:cxnSpLocks/>
-          </p:cNvCxnSpPr>
-          <p:nvPr/>
-        </p:nvCxnSpPr>
-        <p:spPr>
-          <a:xfrm>
-            <a:off x="5475514" y="2753542"/>
-            <a:ext cx="476250" cy="180975"/>
-          </a:xfrm>
-          <a:prstGeom prst="curvedConnector3">
-            <a:avLst>
-              <a:gd name="adj1" fmla="val 0"/>
-            </a:avLst>
-          </a:prstGeom>
-          <a:ln>
-            <a:solidFill>
-              <a:schemeClr val="bg1"/>
-            </a:solidFill>
-          </a:ln>
-        </p:spPr>
-        <p:style>
-          <a:lnRef idx="2">
-            <a:schemeClr val="accent1"/>
-          </a:lnRef>
-          <a:fillRef idx="0">
-            <a:schemeClr val="accent1"/>
-          </a:fillRef>
-          <a:effectRef idx="1">
-            <a:schemeClr val="accent1"/>
-          </a:effectRef>
-          <a:fontRef idx="minor">
-            <a:schemeClr val="tx1"/>
-          </a:fontRef>
-        </p:style>
-      </p:cxnSp>
-      <p:cxnSp>
-        <p:nvCxnSpPr>
-          <p:cNvPr id="15" name="Connector: Curved 14">
-            <a:extLst>
-              <a:ext uri="{FF2B5EF4-FFF2-40B4-BE49-F238E27FC236}">
-                <a16:creationId xmlns:a16="http://schemas.microsoft.com/office/drawing/2014/main" id="{A39EA9C8-8C8B-E00F-E23A-7C5425F20601}"/>
-              </a:ext>
-            </a:extLst>
-          </p:cNvPr>
-          <p:cNvCxnSpPr>
-            <a:cxnSpLocks/>
-          </p:cNvCxnSpPr>
-          <p:nvPr/>
-        </p:nvCxnSpPr>
-        <p:spPr>
-          <a:xfrm>
-            <a:off x="5475514" y="2963092"/>
-            <a:ext cx="476250" cy="180975"/>
-          </a:xfrm>
-          <a:prstGeom prst="curvedConnector3">
-            <a:avLst>
-              <a:gd name="adj1" fmla="val 0"/>
-            </a:avLst>
-          </a:prstGeom>
-          <a:ln>
-            <a:solidFill>
-              <a:schemeClr val="bg1"/>
-            </a:solidFill>
-          </a:ln>
-        </p:spPr>
-        <p:style>
-          <a:lnRef idx="2">
-            <a:schemeClr val="accent1"/>
-          </a:lnRef>
-          <a:fillRef idx="0">
-            <a:schemeClr val="accent1"/>
-          </a:fillRef>
-          <a:effectRef idx="1">
-            <a:schemeClr val="accent1"/>
-          </a:effectRef>
-          <a:fontRef idx="minor">
-            <a:schemeClr val="tx1"/>
-          </a:fontRef>
-        </p:style>
-      </p:cxnSp>
-      <p:cxnSp>
-        <p:nvCxnSpPr>
-          <p:cNvPr id="16" name="Connector: Curved 15">
-            <a:extLst>
-              <a:ext uri="{FF2B5EF4-FFF2-40B4-BE49-F238E27FC236}">
-                <a16:creationId xmlns:a16="http://schemas.microsoft.com/office/drawing/2014/main" id="{39F8A13B-00E5-A163-7B10-A8D63DF54BCD}"/>
-              </a:ext>
-            </a:extLst>
-          </p:cNvPr>
-          <p:cNvCxnSpPr>
-            <a:cxnSpLocks/>
-          </p:cNvCxnSpPr>
-          <p:nvPr/>
-        </p:nvCxnSpPr>
-        <p:spPr>
-          <a:xfrm>
-            <a:off x="5475514" y="3191692"/>
-            <a:ext cx="476250" cy="180975"/>
-          </a:xfrm>
-          <a:prstGeom prst="curvedConnector3">
-            <a:avLst>
-              <a:gd name="adj1" fmla="val 0"/>
-            </a:avLst>
-          </a:prstGeom>
-          <a:ln>
-            <a:solidFill>
-              <a:schemeClr val="bg1"/>
-            </a:solidFill>
-          </a:ln>
-        </p:spPr>
-        <p:style>
-          <a:lnRef idx="2">
-            <a:schemeClr val="accent1"/>
-          </a:lnRef>
-          <a:fillRef idx="0">
-            <a:schemeClr val="accent1"/>
-          </a:fillRef>
-          <a:effectRef idx="1">
-            <a:schemeClr val="accent1"/>
-          </a:effectRef>
-          <a:fontRef idx="minor">
-            <a:schemeClr val="tx1"/>
-          </a:fontRef>
-        </p:style>
-      </p:cxnSp>
-      <p:cxnSp>
-        <p:nvCxnSpPr>
-          <p:cNvPr id="17" name="Connector: Curved 16">
-            <a:extLst>
-              <a:ext uri="{FF2B5EF4-FFF2-40B4-BE49-F238E27FC236}">
-                <a16:creationId xmlns:a16="http://schemas.microsoft.com/office/drawing/2014/main" id="{7CFAF656-0D96-D1F8-FD89-8C979AEF4CEE}"/>
-              </a:ext>
-            </a:extLst>
-          </p:cNvPr>
-          <p:cNvCxnSpPr>
-            <a:cxnSpLocks/>
-          </p:cNvCxnSpPr>
-          <p:nvPr/>
-        </p:nvCxnSpPr>
-        <p:spPr>
-          <a:xfrm>
-            <a:off x="5475514" y="3401242"/>
-            <a:ext cx="476251" cy="180975"/>
-          </a:xfrm>
-          <a:prstGeom prst="curvedConnector3">
-            <a:avLst>
-              <a:gd name="adj1" fmla="val 0"/>
-            </a:avLst>
-          </a:prstGeom>
-          <a:ln>
-            <a:solidFill>
-              <a:schemeClr val="bg1"/>
-            </a:solidFill>
-          </a:ln>
-        </p:spPr>
-        <p:style>
-          <a:lnRef idx="2">
-            <a:schemeClr val="accent1"/>
-          </a:lnRef>
-          <a:fillRef idx="0">
-            <a:schemeClr val="accent1"/>
-          </a:fillRef>
-          <a:effectRef idx="1">
-            <a:schemeClr val="accent1"/>
-          </a:effectRef>
-          <a:fontRef idx="minor">
-            <a:schemeClr val="tx1"/>
-          </a:fontRef>
-        </p:style>
-      </p:cxnSp>
-      <p:cxnSp>
-        <p:nvCxnSpPr>
-          <p:cNvPr id="18" name="Connector: Curved 17">
-            <a:extLst>
-              <a:ext uri="{FF2B5EF4-FFF2-40B4-BE49-F238E27FC236}">
-                <a16:creationId xmlns:a16="http://schemas.microsoft.com/office/drawing/2014/main" id="{6D989D96-E0D0-DF66-74A5-989296CF9A41}"/>
-              </a:ext>
-            </a:extLst>
-          </p:cNvPr>
-          <p:cNvCxnSpPr>
-            <a:cxnSpLocks/>
-          </p:cNvCxnSpPr>
-          <p:nvPr/>
-        </p:nvCxnSpPr>
-        <p:spPr>
-          <a:xfrm>
-            <a:off x="5475514" y="3610792"/>
-            <a:ext cx="476251" cy="180975"/>
-          </a:xfrm>
-          <a:prstGeom prst="curvedConnector3">
-            <a:avLst>
-              <a:gd name="adj1" fmla="val 0"/>
-            </a:avLst>
-          </a:prstGeom>
-          <a:ln>
-            <a:solidFill>
-              <a:schemeClr val="bg1"/>
-            </a:solidFill>
-          </a:ln>
-        </p:spPr>
-        <p:style>
-          <a:lnRef idx="2">
-            <a:schemeClr val="accent1"/>
-          </a:lnRef>
-          <a:fillRef idx="0">
-            <a:schemeClr val="accent1"/>
-          </a:fillRef>
-          <a:effectRef idx="1">
-            <a:schemeClr val="accent1"/>
-          </a:effectRef>
-          <a:fontRef idx="minor">
-            <a:schemeClr val="tx1"/>
-          </a:fontRef>
-        </p:style>
-      </p:cxnSp>
-      <p:cxnSp>
-        <p:nvCxnSpPr>
-          <p:cNvPr id="19" name="Connector: Curved 18">
-            <a:extLst>
-              <a:ext uri="{FF2B5EF4-FFF2-40B4-BE49-F238E27FC236}">
-                <a16:creationId xmlns:a16="http://schemas.microsoft.com/office/drawing/2014/main" id="{170C3FAE-C031-0D4B-0E60-8D6DB2D24324}"/>
-              </a:ext>
-            </a:extLst>
-          </p:cNvPr>
-          <p:cNvCxnSpPr>
-            <a:cxnSpLocks/>
-          </p:cNvCxnSpPr>
-          <p:nvPr/>
-        </p:nvCxnSpPr>
-        <p:spPr>
-          <a:xfrm>
-            <a:off x="5475514" y="3839392"/>
-            <a:ext cx="476251" cy="180975"/>
-          </a:xfrm>
-          <a:prstGeom prst="curvedConnector3">
-            <a:avLst>
-              <a:gd name="adj1" fmla="val 0"/>
-            </a:avLst>
-          </a:prstGeom>
-          <a:ln>
-            <a:solidFill>
-              <a:schemeClr val="bg1"/>
-            </a:solidFill>
-          </a:ln>
-        </p:spPr>
-        <p:style>
-          <a:lnRef idx="2">
-            <a:schemeClr val="accent1"/>
-          </a:lnRef>
-          <a:fillRef idx="0">
-            <a:schemeClr val="accent1"/>
-          </a:fillRef>
-          <a:effectRef idx="1">
-            <a:schemeClr val="accent1"/>
-          </a:effectRef>
-          <a:fontRef idx="minor">
-            <a:schemeClr val="tx1"/>
-          </a:fontRef>
-        </p:style>
-      </p:cxnSp>
-      <p:cxnSp>
-        <p:nvCxnSpPr>
-          <p:cNvPr id="21" name="Connector: Curved 20">
-            <a:extLst>
-              <a:ext uri="{FF2B5EF4-FFF2-40B4-BE49-F238E27FC236}">
-                <a16:creationId xmlns:a16="http://schemas.microsoft.com/office/drawing/2014/main" id="{EF01816C-876C-DA3C-5441-97FF55302967}"/>
-              </a:ext>
-            </a:extLst>
-          </p:cNvPr>
-          <p:cNvCxnSpPr>
-            <a:cxnSpLocks/>
-          </p:cNvCxnSpPr>
-          <p:nvPr/>
-        </p:nvCxnSpPr>
-        <p:spPr>
-          <a:xfrm>
-            <a:off x="5477005" y="4254475"/>
-            <a:ext cx="476251" cy="180975"/>
-          </a:xfrm>
-          <a:prstGeom prst="curvedConnector3">
-            <a:avLst>
-              <a:gd name="adj1" fmla="val 0"/>
-            </a:avLst>
-          </a:prstGeom>
-          <a:ln>
-            <a:solidFill>
-              <a:schemeClr val="bg1"/>
-            </a:solidFill>
-          </a:ln>
-        </p:spPr>
-        <p:style>
-          <a:lnRef idx="2">
-            <a:schemeClr val="accent1"/>
-          </a:lnRef>
-          <a:fillRef idx="0">
-            <a:schemeClr val="accent1"/>
-          </a:fillRef>
-          <a:effectRef idx="1">
-            <a:schemeClr val="accent1"/>
-          </a:effectRef>
-          <a:fontRef idx="minor">
-            <a:schemeClr val="tx1"/>
-          </a:fontRef>
-        </p:style>
-      </p:cxnSp>
-      <p:cxnSp>
-        <p:nvCxnSpPr>
-          <p:cNvPr id="22" name="Connector: Curved 21">
-            <a:extLst>
-              <a:ext uri="{FF2B5EF4-FFF2-40B4-BE49-F238E27FC236}">
-                <a16:creationId xmlns:a16="http://schemas.microsoft.com/office/drawing/2014/main" id="{F6597036-3236-EC74-419C-8C4E54B183A0}"/>
-              </a:ext>
-            </a:extLst>
-          </p:cNvPr>
-          <p:cNvCxnSpPr>
-            <a:cxnSpLocks/>
-          </p:cNvCxnSpPr>
-          <p:nvPr/>
-        </p:nvCxnSpPr>
-        <p:spPr>
-          <a:xfrm>
-            <a:off x="5477005" y="4483075"/>
-            <a:ext cx="476251" cy="180975"/>
-          </a:xfrm>
-          <a:prstGeom prst="curvedConnector3">
-            <a:avLst>
-              <a:gd name="adj1" fmla="val 0"/>
-            </a:avLst>
-          </a:prstGeom>
-          <a:ln>
-            <a:solidFill>
-              <a:schemeClr val="bg1"/>
-            </a:solidFill>
-          </a:ln>
-        </p:spPr>
-        <p:style>
-          <a:lnRef idx="2">
-            <a:schemeClr val="accent1"/>
-          </a:lnRef>
-          <a:fillRef idx="0">
-            <a:schemeClr val="accent1"/>
-          </a:fillRef>
-          <a:effectRef idx="1">
-            <a:schemeClr val="accent1"/>
-          </a:effectRef>
-          <a:fontRef idx="minor">
-            <a:schemeClr val="tx1"/>
-          </a:fontRef>
-        </p:style>
-      </p:cxnSp>
-      <p:cxnSp>
-        <p:nvCxnSpPr>
-          <p:cNvPr id="23" name="Connector: Curved 22">
-            <a:extLst>
-              <a:ext uri="{FF2B5EF4-FFF2-40B4-BE49-F238E27FC236}">
-                <a16:creationId xmlns:a16="http://schemas.microsoft.com/office/drawing/2014/main" id="{8B70C38C-68D4-1072-7A25-5F02397DD980}"/>
-              </a:ext>
-            </a:extLst>
-          </p:cNvPr>
-          <p:cNvCxnSpPr>
-            <a:cxnSpLocks/>
-          </p:cNvCxnSpPr>
-          <p:nvPr/>
-        </p:nvCxnSpPr>
-        <p:spPr>
-          <a:xfrm>
-            <a:off x="5933658" y="4673359"/>
-            <a:ext cx="476251" cy="180975"/>
-          </a:xfrm>
-          <a:prstGeom prst="curvedConnector3">
-            <a:avLst>
-              <a:gd name="adj1" fmla="val 0"/>
-            </a:avLst>
-          </a:prstGeom>
-          <a:ln>
-            <a:solidFill>
-              <a:schemeClr val="bg1"/>
-            </a:solidFill>
-          </a:ln>
-        </p:spPr>
-        <p:style>
-          <a:lnRef idx="2">
-            <a:schemeClr val="accent1"/>
-          </a:lnRef>
-          <a:fillRef idx="0">
-            <a:schemeClr val="accent1"/>
-          </a:fillRef>
-          <a:effectRef idx="1">
-            <a:schemeClr val="accent1"/>
-          </a:effectRef>
-          <a:fontRef idx="minor">
-            <a:schemeClr val="tx1"/>
-          </a:fontRef>
-        </p:style>
-      </p:cxnSp>
-      <p:cxnSp>
-        <p:nvCxnSpPr>
-          <p:cNvPr id="24" name="Connector: Curved 23">
-            <a:extLst>
-              <a:ext uri="{FF2B5EF4-FFF2-40B4-BE49-F238E27FC236}">
-                <a16:creationId xmlns:a16="http://schemas.microsoft.com/office/drawing/2014/main" id="{98A9B77D-0A23-1465-DB9C-DF7F77509FA8}"/>
-              </a:ext>
-            </a:extLst>
-          </p:cNvPr>
-          <p:cNvCxnSpPr>
-            <a:cxnSpLocks/>
-          </p:cNvCxnSpPr>
-          <p:nvPr/>
-        </p:nvCxnSpPr>
-        <p:spPr>
-          <a:xfrm>
-            <a:off x="5933657" y="4892650"/>
-            <a:ext cx="476251" cy="180975"/>
-          </a:xfrm>
-          <a:prstGeom prst="curvedConnector3">
-            <a:avLst>
-              <a:gd name="adj1" fmla="val 0"/>
-            </a:avLst>
-          </a:prstGeom>
-          <a:ln>
-            <a:solidFill>
-              <a:schemeClr val="bg1"/>
-            </a:solidFill>
-          </a:ln>
-        </p:spPr>
-        <p:style>
-          <a:lnRef idx="2">
-            <a:schemeClr val="accent1"/>
-          </a:lnRef>
-          <a:fillRef idx="0">
-            <a:schemeClr val="accent1"/>
-          </a:fillRef>
-          <a:effectRef idx="1">
-            <a:schemeClr val="accent1"/>
-          </a:effectRef>
-          <a:fontRef idx="minor">
-            <a:schemeClr val="tx1"/>
-          </a:fontRef>
-        </p:style>
-      </p:cxnSp>
-      <p:cxnSp>
-        <p:nvCxnSpPr>
-          <p:cNvPr id="25" name="Connector: Curved 24">
-            <a:extLst>
-              <a:ext uri="{FF2B5EF4-FFF2-40B4-BE49-F238E27FC236}">
-                <a16:creationId xmlns:a16="http://schemas.microsoft.com/office/drawing/2014/main" id="{6B2FFEE3-699A-090F-497B-BF2D6D8CDFE6}"/>
-              </a:ext>
-            </a:extLst>
-          </p:cNvPr>
-          <p:cNvCxnSpPr>
-            <a:cxnSpLocks/>
-          </p:cNvCxnSpPr>
-          <p:nvPr/>
-        </p:nvCxnSpPr>
-        <p:spPr>
-          <a:xfrm>
-            <a:off x="5933656" y="5112726"/>
-            <a:ext cx="476251" cy="180975"/>
-          </a:xfrm>
-          <a:prstGeom prst="curvedConnector3">
-            <a:avLst>
-              <a:gd name="adj1" fmla="val 0"/>
-            </a:avLst>
-          </a:prstGeom>
-          <a:ln>
-            <a:solidFill>
-              <a:schemeClr val="bg1"/>
-            </a:solidFill>
-          </a:ln>
-        </p:spPr>
-        <p:style>
-          <a:lnRef idx="2">
-            <a:schemeClr val="accent1"/>
-          </a:lnRef>
-          <a:fillRef idx="0">
-            <a:schemeClr val="accent1"/>
-          </a:fillRef>
-          <a:effectRef idx="1">
-            <a:schemeClr val="accent1"/>
-          </a:effectRef>
-          <a:fontRef idx="minor">
-            <a:schemeClr val="tx1"/>
-          </a:fontRef>
-        </p:style>
-      </p:cxnSp>
-      <p:cxnSp>
-        <p:nvCxnSpPr>
-          <p:cNvPr id="26" name="Straight Connector 25">
-            <a:extLst>
-              <a:ext uri="{FF2B5EF4-FFF2-40B4-BE49-F238E27FC236}">
-                <a16:creationId xmlns:a16="http://schemas.microsoft.com/office/drawing/2014/main" id="{F6B9C449-AE2F-FA29-58C2-ABDED77AF593}"/>
-              </a:ext>
-            </a:extLst>
-          </p:cNvPr>
-          <p:cNvCxnSpPr>
-            <a:cxnSpLocks/>
-          </p:cNvCxnSpPr>
-          <p:nvPr/>
-        </p:nvCxnSpPr>
-        <p:spPr>
-          <a:xfrm>
-            <a:off x="5933656" y="4654525"/>
-            <a:ext cx="0" cy="448676"/>
-          </a:xfrm>
-          <a:prstGeom prst="line">
-            <a:avLst/>
-          </a:prstGeom>
-          <a:ln>
-            <a:solidFill>
-              <a:schemeClr val="bg1"/>
-            </a:solidFill>
-          </a:ln>
-        </p:spPr>
-        <p:style>
-          <a:lnRef idx="2">
-            <a:schemeClr val="accent1"/>
-          </a:lnRef>
-          <a:fillRef idx="0">
-            <a:schemeClr val="accent1"/>
-          </a:fillRef>
-          <a:effectRef idx="1">
-            <a:schemeClr val="accent1"/>
-          </a:effectRef>
-          <a:fontRef idx="minor">
-            <a:schemeClr val="tx1"/>
-          </a:fontRef>
-        </p:style>
-      </p:cxnSp>
-      <p:cxnSp>
-        <p:nvCxnSpPr>
-          <p:cNvPr id="27" name="Connector: Curved 26">
-            <a:extLst>
-              <a:ext uri="{FF2B5EF4-FFF2-40B4-BE49-F238E27FC236}">
-                <a16:creationId xmlns:a16="http://schemas.microsoft.com/office/drawing/2014/main" id="{853AB067-4163-2A46-F3D3-BF8B05E72BFB}"/>
-              </a:ext>
-            </a:extLst>
-          </p:cNvPr>
-          <p:cNvCxnSpPr>
-            <a:cxnSpLocks/>
-          </p:cNvCxnSpPr>
-          <p:nvPr/>
-        </p:nvCxnSpPr>
-        <p:spPr>
-          <a:xfrm>
-            <a:off x="5475514" y="5321059"/>
-            <a:ext cx="476250" cy="180975"/>
-          </a:xfrm>
-          <a:prstGeom prst="curvedConnector3">
-            <a:avLst>
-              <a:gd name="adj1" fmla="val 0"/>
-            </a:avLst>
-          </a:prstGeom>
-          <a:ln>
-            <a:solidFill>
-              <a:schemeClr val="bg1"/>
-            </a:solidFill>
-          </a:ln>
-        </p:spPr>
-        <p:style>
-          <a:lnRef idx="2">
-            <a:schemeClr val="accent1"/>
-          </a:lnRef>
-          <a:fillRef idx="0">
-            <a:schemeClr val="accent1"/>
-          </a:fillRef>
-          <a:effectRef idx="1">
-            <a:schemeClr val="accent1"/>
-          </a:effectRef>
-          <a:fontRef idx="minor">
-            <a:schemeClr val="tx1"/>
-          </a:fontRef>
-        </p:style>
-      </p:cxnSp>
-      <p:cxnSp>
-        <p:nvCxnSpPr>
-          <p:cNvPr id="28" name="Connector: Curved 27">
-            <a:extLst>
-              <a:ext uri="{FF2B5EF4-FFF2-40B4-BE49-F238E27FC236}">
-                <a16:creationId xmlns:a16="http://schemas.microsoft.com/office/drawing/2014/main" id="{A82AB35A-A0EE-0996-34AD-40C819BE9CAB}"/>
-              </a:ext>
-            </a:extLst>
-          </p:cNvPr>
-          <p:cNvCxnSpPr>
-            <a:cxnSpLocks/>
-          </p:cNvCxnSpPr>
-          <p:nvPr/>
-        </p:nvCxnSpPr>
-        <p:spPr>
-          <a:xfrm>
-            <a:off x="5475514" y="5530609"/>
-            <a:ext cx="476251" cy="180975"/>
-          </a:xfrm>
-          <a:prstGeom prst="curvedConnector3">
-            <a:avLst>
-              <a:gd name="adj1" fmla="val 0"/>
-            </a:avLst>
-          </a:prstGeom>
-          <a:ln>
-            <a:solidFill>
-              <a:schemeClr val="bg1"/>
-            </a:solidFill>
-          </a:ln>
-        </p:spPr>
-        <p:style>
-          <a:lnRef idx="2">
-            <a:schemeClr val="accent1"/>
-          </a:lnRef>
-          <a:fillRef idx="0">
-            <a:schemeClr val="accent1"/>
-          </a:fillRef>
-          <a:effectRef idx="1">
-            <a:schemeClr val="accent1"/>
-          </a:effectRef>
-          <a:fontRef idx="minor">
-            <a:schemeClr val="tx1"/>
-          </a:fontRef>
-        </p:style>
-      </p:cxnSp>
-      <p:cxnSp>
-        <p:nvCxnSpPr>
-          <p:cNvPr id="29" name="Connector: Curved 28">
-            <a:extLst>
-              <a:ext uri="{FF2B5EF4-FFF2-40B4-BE49-F238E27FC236}">
-                <a16:creationId xmlns:a16="http://schemas.microsoft.com/office/drawing/2014/main" id="{FFDBA893-0255-9261-C0C4-F28BAF91C85A}"/>
-              </a:ext>
-            </a:extLst>
-          </p:cNvPr>
-          <p:cNvCxnSpPr>
-            <a:cxnSpLocks/>
-          </p:cNvCxnSpPr>
-          <p:nvPr/>
-        </p:nvCxnSpPr>
-        <p:spPr>
-          <a:xfrm>
-            <a:off x="5475514" y="5740159"/>
-            <a:ext cx="476251" cy="180975"/>
-          </a:xfrm>
-          <a:prstGeom prst="curvedConnector3">
-            <a:avLst>
-              <a:gd name="adj1" fmla="val 0"/>
-            </a:avLst>
-          </a:prstGeom>
-          <a:ln>
-            <a:solidFill>
-              <a:schemeClr val="bg1"/>
-            </a:solidFill>
-          </a:ln>
-        </p:spPr>
-        <p:style>
-          <a:lnRef idx="2">
-            <a:schemeClr val="accent1"/>
-          </a:lnRef>
-          <a:fillRef idx="0">
-            <a:schemeClr val="accent1"/>
-          </a:fillRef>
-          <a:effectRef idx="1">
-            <a:schemeClr val="accent1"/>
-          </a:effectRef>
-          <a:fontRef idx="minor">
-            <a:schemeClr val="tx1"/>
-          </a:fontRef>
-        </p:style>
-      </p:cxnSp>
-      <p:cxnSp>
-        <p:nvCxnSpPr>
-          <p:cNvPr id="30" name="Connector: Curved 29">
-            <a:extLst>
-              <a:ext uri="{FF2B5EF4-FFF2-40B4-BE49-F238E27FC236}">
-                <a16:creationId xmlns:a16="http://schemas.microsoft.com/office/drawing/2014/main" id="{E2E747D3-8D0C-01BC-0AB8-7A20A29A3597}"/>
-              </a:ext>
-            </a:extLst>
-          </p:cNvPr>
-          <p:cNvCxnSpPr>
-            <a:cxnSpLocks/>
-          </p:cNvCxnSpPr>
-          <p:nvPr/>
-        </p:nvCxnSpPr>
-        <p:spPr>
-          <a:xfrm>
-            <a:off x="5475514" y="5968759"/>
-            <a:ext cx="476251" cy="180975"/>
-          </a:xfrm>
-          <a:prstGeom prst="curvedConnector3">
-            <a:avLst>
-              <a:gd name="adj1" fmla="val 0"/>
-            </a:avLst>
-          </a:prstGeom>
-          <a:ln>
-            <a:solidFill>
-              <a:schemeClr val="bg1"/>
-            </a:solidFill>
-          </a:ln>
-        </p:spPr>
-        <p:style>
-          <a:lnRef idx="2">
-            <a:schemeClr val="accent1"/>
-          </a:lnRef>
-          <a:fillRef idx="0">
-            <a:schemeClr val="accent1"/>
-          </a:fillRef>
-          <a:effectRef idx="1">
-            <a:schemeClr val="accent1"/>
-          </a:effectRef>
-          <a:fontRef idx="minor">
-            <a:schemeClr val="tx1"/>
-          </a:fontRef>
-        </p:style>
-      </p:cxnSp>
-      <p:cxnSp>
-        <p:nvCxnSpPr>
-          <p:cNvPr id="31" name="Connector: Curved 30">
-            <a:extLst>
-              <a:ext uri="{FF2B5EF4-FFF2-40B4-BE49-F238E27FC236}">
-                <a16:creationId xmlns:a16="http://schemas.microsoft.com/office/drawing/2014/main" id="{23F70E69-530D-8F7B-AAAE-B746A4B169F5}"/>
-              </a:ext>
-            </a:extLst>
-          </p:cNvPr>
-          <p:cNvCxnSpPr>
-            <a:cxnSpLocks/>
-          </p:cNvCxnSpPr>
-          <p:nvPr/>
-        </p:nvCxnSpPr>
-        <p:spPr>
-          <a:xfrm>
-            <a:off x="7985392" y="1262641"/>
-            <a:ext cx="476250" cy="180975"/>
-          </a:xfrm>
-          <a:prstGeom prst="curvedConnector3">
-            <a:avLst>
-              <a:gd name="adj1" fmla="val 0"/>
-            </a:avLst>
-          </a:prstGeom>
-          <a:ln>
-            <a:solidFill>
-              <a:schemeClr val="bg1"/>
-            </a:solidFill>
-          </a:ln>
-        </p:spPr>
-        <p:style>
-          <a:lnRef idx="2">
-            <a:schemeClr val="accent1"/>
-          </a:lnRef>
-          <a:fillRef idx="0">
-            <a:schemeClr val="accent1"/>
-          </a:fillRef>
-          <a:effectRef idx="1">
-            <a:schemeClr val="accent1"/>
-          </a:effectRef>
-          <a:fontRef idx="minor">
-            <a:schemeClr val="tx1"/>
-          </a:fontRef>
-        </p:style>
-      </p:cxnSp>
-      <p:cxnSp>
-        <p:nvCxnSpPr>
-          <p:cNvPr id="32" name="Connector: Curved 31">
-            <a:extLst>
-              <a:ext uri="{FF2B5EF4-FFF2-40B4-BE49-F238E27FC236}">
-                <a16:creationId xmlns:a16="http://schemas.microsoft.com/office/drawing/2014/main" id="{4FBC6821-BE54-DE59-2585-E4E637C8723B}"/>
-              </a:ext>
-            </a:extLst>
-          </p:cNvPr>
-          <p:cNvCxnSpPr>
-            <a:cxnSpLocks/>
-          </p:cNvCxnSpPr>
-          <p:nvPr/>
-        </p:nvCxnSpPr>
-        <p:spPr>
-          <a:xfrm>
-            <a:off x="7985392" y="2123455"/>
-            <a:ext cx="476251" cy="180975"/>
-          </a:xfrm>
-          <a:prstGeom prst="curvedConnector3">
-            <a:avLst>
-              <a:gd name="adj1" fmla="val 0"/>
-            </a:avLst>
-          </a:prstGeom>
-          <a:ln>
-            <a:solidFill>
-              <a:schemeClr val="bg1"/>
-            </a:solidFill>
-          </a:ln>
-        </p:spPr>
-        <p:style>
-          <a:lnRef idx="2">
-            <a:schemeClr val="accent1"/>
-          </a:lnRef>
-          <a:fillRef idx="0">
-            <a:schemeClr val="accent1"/>
-          </a:fillRef>
-          <a:effectRef idx="1">
-            <a:schemeClr val="accent1"/>
-          </a:effectRef>
-          <a:fontRef idx="minor">
-            <a:schemeClr val="tx1"/>
-          </a:fontRef>
-        </p:style>
-      </p:cxnSp>
-      <p:cxnSp>
-        <p:nvCxnSpPr>
-          <p:cNvPr id="33" name="Connector: Curved 32">
-            <a:extLst>
-              <a:ext uri="{FF2B5EF4-FFF2-40B4-BE49-F238E27FC236}">
-                <a16:creationId xmlns:a16="http://schemas.microsoft.com/office/drawing/2014/main" id="{4F3101F5-D9BA-E7E7-FC49-D97DA0410EE1}"/>
-              </a:ext>
-            </a:extLst>
-          </p:cNvPr>
-          <p:cNvCxnSpPr>
-            <a:cxnSpLocks/>
-          </p:cNvCxnSpPr>
-          <p:nvPr/>
-        </p:nvCxnSpPr>
-        <p:spPr>
-          <a:xfrm>
-            <a:off x="7985392" y="2957950"/>
-            <a:ext cx="476251" cy="180975"/>
-          </a:xfrm>
-          <a:prstGeom prst="curvedConnector3">
-            <a:avLst>
-              <a:gd name="adj1" fmla="val 0"/>
-            </a:avLst>
-          </a:prstGeom>
-          <a:ln>
-            <a:solidFill>
-              <a:schemeClr val="bg1"/>
-            </a:solidFill>
-          </a:ln>
-        </p:spPr>
-        <p:style>
-          <a:lnRef idx="2">
-            <a:schemeClr val="accent1"/>
-          </a:lnRef>
-          <a:fillRef idx="0">
-            <a:schemeClr val="accent1"/>
-          </a:fillRef>
-          <a:effectRef idx="1">
-            <a:schemeClr val="accent1"/>
-          </a:effectRef>
-          <a:fontRef idx="minor">
-            <a:schemeClr val="tx1"/>
-          </a:fontRef>
-        </p:style>
-      </p:cxnSp>
-      <p:cxnSp>
-        <p:nvCxnSpPr>
-          <p:cNvPr id="35" name="Connector: Curved 34">
-            <a:extLst>
-              <a:ext uri="{FF2B5EF4-FFF2-40B4-BE49-F238E27FC236}">
-                <a16:creationId xmlns:a16="http://schemas.microsoft.com/office/drawing/2014/main" id="{A1962624-E33B-7963-7E93-B9A572940133}"/>
-              </a:ext>
-            </a:extLst>
-          </p:cNvPr>
-          <p:cNvCxnSpPr>
-            <a:cxnSpLocks/>
-          </p:cNvCxnSpPr>
-          <p:nvPr/>
-        </p:nvCxnSpPr>
-        <p:spPr>
-          <a:xfrm>
-            <a:off x="8907465" y="1894627"/>
-            <a:ext cx="476250" cy="180975"/>
-          </a:xfrm>
-          <a:prstGeom prst="curvedConnector3">
-            <a:avLst>
-              <a:gd name="adj1" fmla="val 0"/>
-            </a:avLst>
-          </a:prstGeom>
-          <a:ln>
-            <a:solidFill>
-              <a:schemeClr val="bg1"/>
-            </a:solidFill>
-          </a:ln>
-        </p:spPr>
-        <p:style>
-          <a:lnRef idx="2">
-            <a:schemeClr val="accent1"/>
-          </a:lnRef>
-          <a:fillRef idx="0">
-            <a:schemeClr val="accent1"/>
-          </a:fillRef>
-          <a:effectRef idx="1">
-            <a:schemeClr val="accent1"/>
-          </a:effectRef>
-          <a:fontRef idx="minor">
-            <a:schemeClr val="tx1"/>
-          </a:fontRef>
-        </p:style>
-      </p:cxnSp>
-      <p:cxnSp>
-        <p:nvCxnSpPr>
-          <p:cNvPr id="36" name="Connector: Curved 35">
-            <a:extLst>
-              <a:ext uri="{FF2B5EF4-FFF2-40B4-BE49-F238E27FC236}">
-                <a16:creationId xmlns:a16="http://schemas.microsoft.com/office/drawing/2014/main" id="{78658E87-3DC4-7294-776C-3731B91A37FC}"/>
-              </a:ext>
-            </a:extLst>
-          </p:cNvPr>
-          <p:cNvCxnSpPr>
-            <a:cxnSpLocks/>
-          </p:cNvCxnSpPr>
-          <p:nvPr/>
-        </p:nvCxnSpPr>
-        <p:spPr>
-          <a:xfrm>
-            <a:off x="8907465" y="2748863"/>
-            <a:ext cx="476251" cy="180975"/>
-          </a:xfrm>
-          <a:prstGeom prst="curvedConnector3">
-            <a:avLst>
-              <a:gd name="adj1" fmla="val 0"/>
-            </a:avLst>
-          </a:prstGeom>
-          <a:ln>
-            <a:solidFill>
-              <a:schemeClr val="bg1"/>
-            </a:solidFill>
-          </a:ln>
-        </p:spPr>
-        <p:style>
-          <a:lnRef idx="2">
-            <a:schemeClr val="accent1"/>
-          </a:lnRef>
-          <a:fillRef idx="0">
-            <a:schemeClr val="accent1"/>
-          </a:fillRef>
-          <a:effectRef idx="1">
-            <a:schemeClr val="accent1"/>
-          </a:effectRef>
-          <a:fontRef idx="minor">
-            <a:schemeClr val="tx1"/>
-          </a:fontRef>
-        </p:style>
-      </p:cxnSp>
-      <p:cxnSp>
-        <p:nvCxnSpPr>
-          <p:cNvPr id="37" name="Connector: Curved 36">
-            <a:extLst>
-              <a:ext uri="{FF2B5EF4-FFF2-40B4-BE49-F238E27FC236}">
-                <a16:creationId xmlns:a16="http://schemas.microsoft.com/office/drawing/2014/main" id="{A702CF8C-2D9B-0067-A3FB-F0FA83CF9491}"/>
-              </a:ext>
-            </a:extLst>
-          </p:cNvPr>
-          <p:cNvCxnSpPr>
-            <a:cxnSpLocks/>
-          </p:cNvCxnSpPr>
-          <p:nvPr/>
-        </p:nvCxnSpPr>
-        <p:spPr>
-          <a:xfrm>
-            <a:off x="8907465" y="3603092"/>
-            <a:ext cx="476251" cy="180975"/>
-          </a:xfrm>
-          <a:prstGeom prst="curvedConnector3">
-            <a:avLst>
-              <a:gd name="adj1" fmla="val 0"/>
-            </a:avLst>
-          </a:prstGeom>
-          <a:ln>
-            <a:solidFill>
-              <a:schemeClr val="bg1"/>
-            </a:solidFill>
-          </a:ln>
-        </p:spPr>
-        <p:style>
-          <a:lnRef idx="2">
-            <a:schemeClr val="accent1"/>
-          </a:lnRef>
-          <a:fillRef idx="0">
-            <a:schemeClr val="accent1"/>
-          </a:fillRef>
-          <a:effectRef idx="1">
-            <a:schemeClr val="accent1"/>
-          </a:effectRef>
-          <a:fontRef idx="minor">
-            <a:schemeClr val="tx1"/>
-          </a:fontRef>
-        </p:style>
-      </p:cxnSp>
-      <p:cxnSp>
-        <p:nvCxnSpPr>
-          <p:cNvPr id="38" name="Connector: Curved 37">
-            <a:extLst>
-              <a:ext uri="{FF2B5EF4-FFF2-40B4-BE49-F238E27FC236}">
-                <a16:creationId xmlns:a16="http://schemas.microsoft.com/office/drawing/2014/main" id="{93614449-3E40-931C-DF56-8E5266115D79}"/>
-              </a:ext>
-            </a:extLst>
-          </p:cNvPr>
-          <p:cNvCxnSpPr>
-            <a:cxnSpLocks/>
-          </p:cNvCxnSpPr>
-          <p:nvPr/>
-        </p:nvCxnSpPr>
-        <p:spPr>
-          <a:xfrm>
-            <a:off x="8461642" y="3177166"/>
-            <a:ext cx="476251" cy="180975"/>
-          </a:xfrm>
-          <a:prstGeom prst="curvedConnector3">
-            <a:avLst>
-              <a:gd name="adj1" fmla="val 0"/>
-            </a:avLst>
-          </a:prstGeom>
-          <a:ln>
-            <a:solidFill>
-              <a:schemeClr val="bg1"/>
-            </a:solidFill>
-          </a:ln>
-        </p:spPr>
-        <p:style>
-          <a:lnRef idx="2">
-            <a:schemeClr val="accent1"/>
-          </a:lnRef>
-          <a:fillRef idx="0">
-            <a:schemeClr val="accent1"/>
-          </a:fillRef>
-          <a:effectRef idx="1">
-            <a:schemeClr val="accent1"/>
-          </a:effectRef>
-          <a:fontRef idx="minor">
-            <a:schemeClr val="tx1"/>
-          </a:fontRef>
-        </p:style>
-      </p:cxnSp>
-      <p:cxnSp>
-        <p:nvCxnSpPr>
-          <p:cNvPr id="39" name="Connector: Curved 38">
-            <a:extLst>
-              <a:ext uri="{FF2B5EF4-FFF2-40B4-BE49-F238E27FC236}">
-                <a16:creationId xmlns:a16="http://schemas.microsoft.com/office/drawing/2014/main" id="{1C58BEBC-B8C1-CA57-BC9B-BDABDC5484AB}"/>
-              </a:ext>
-            </a:extLst>
-          </p:cNvPr>
-          <p:cNvCxnSpPr>
-            <a:cxnSpLocks/>
-          </p:cNvCxnSpPr>
-          <p:nvPr/>
-        </p:nvCxnSpPr>
-        <p:spPr>
-          <a:xfrm>
-            <a:off x="8461642" y="3393435"/>
-            <a:ext cx="476251" cy="180975"/>
-          </a:xfrm>
-          <a:prstGeom prst="curvedConnector3">
-            <a:avLst>
-              <a:gd name="adj1" fmla="val 0"/>
-            </a:avLst>
-          </a:prstGeom>
-          <a:ln>
-            <a:solidFill>
-              <a:schemeClr val="bg1"/>
-            </a:solidFill>
-          </a:ln>
-        </p:spPr>
-        <p:style>
-          <a:lnRef idx="2">
-            <a:schemeClr val="accent1"/>
-          </a:lnRef>
-          <a:fillRef idx="0">
-            <a:schemeClr val="accent1"/>
-          </a:fillRef>
-          <a:effectRef idx="1">
-            <a:schemeClr val="accent1"/>
-          </a:effectRef>
-          <a:fontRef idx="minor">
-            <a:schemeClr val="tx1"/>
-          </a:fontRef>
-        </p:style>
-      </p:cxnSp>
-      <p:cxnSp>
-        <p:nvCxnSpPr>
-          <p:cNvPr id="40" name="Straight Connector 39">
-            <a:extLst>
-              <a:ext uri="{FF2B5EF4-FFF2-40B4-BE49-F238E27FC236}">
-                <a16:creationId xmlns:a16="http://schemas.microsoft.com/office/drawing/2014/main" id="{B237D5FC-71A9-0681-A605-755ECC3F4D4A}"/>
-              </a:ext>
-            </a:extLst>
-          </p:cNvPr>
-          <p:cNvCxnSpPr>
-            <a:cxnSpLocks/>
-          </p:cNvCxnSpPr>
-          <p:nvPr/>
-        </p:nvCxnSpPr>
-        <p:spPr>
-          <a:xfrm flipH="1">
-            <a:off x="8461642" y="3150985"/>
-            <a:ext cx="2402" cy="332937"/>
-          </a:xfrm>
-          <a:prstGeom prst="line">
-            <a:avLst/>
-          </a:prstGeom>
-          <a:ln>
-            <a:solidFill>
-              <a:schemeClr val="bg1"/>
-            </a:solidFill>
-          </a:ln>
-        </p:spPr>
-        <p:style>
-          <a:lnRef idx="2">
-            <a:schemeClr val="accent1"/>
-          </a:lnRef>
-          <a:fillRef idx="0">
-            <a:schemeClr val="accent1"/>
-          </a:fillRef>
-          <a:effectRef idx="1">
-            <a:schemeClr val="accent1"/>
-          </a:effectRef>
-          <a:fontRef idx="minor">
-            <a:schemeClr val="tx1"/>
-          </a:fontRef>
-        </p:style>
-      </p:cxnSp>
-      <p:cxnSp>
-        <p:nvCxnSpPr>
-          <p:cNvPr id="41" name="Connector: Curved 40">
-            <a:extLst>
-              <a:ext uri="{FF2B5EF4-FFF2-40B4-BE49-F238E27FC236}">
-                <a16:creationId xmlns:a16="http://schemas.microsoft.com/office/drawing/2014/main" id="{FEC749B9-BBF6-81C6-F89F-9C7F18FBD1C7}"/>
-              </a:ext>
-            </a:extLst>
-          </p:cNvPr>
-          <p:cNvCxnSpPr>
-            <a:cxnSpLocks/>
-          </p:cNvCxnSpPr>
-          <p:nvPr/>
-        </p:nvCxnSpPr>
-        <p:spPr>
-          <a:xfrm>
-            <a:off x="8448213" y="2323295"/>
-            <a:ext cx="476251" cy="180975"/>
-          </a:xfrm>
-          <a:prstGeom prst="curvedConnector3">
-            <a:avLst>
-              <a:gd name="adj1" fmla="val 0"/>
-            </a:avLst>
-          </a:prstGeom>
-          <a:ln>
-            <a:solidFill>
-              <a:schemeClr val="bg1"/>
-            </a:solidFill>
-          </a:ln>
-        </p:spPr>
-        <p:style>
-          <a:lnRef idx="2">
-            <a:schemeClr val="accent1"/>
-          </a:lnRef>
-          <a:fillRef idx="0">
-            <a:schemeClr val="accent1"/>
-          </a:fillRef>
-          <a:effectRef idx="1">
-            <a:schemeClr val="accent1"/>
-          </a:effectRef>
-          <a:fontRef idx="minor">
-            <a:schemeClr val="tx1"/>
-          </a:fontRef>
-        </p:style>
-      </p:cxnSp>
-      <p:cxnSp>
-        <p:nvCxnSpPr>
-          <p:cNvPr id="42" name="Connector: Curved 41">
-            <a:extLst>
-              <a:ext uri="{FF2B5EF4-FFF2-40B4-BE49-F238E27FC236}">
-                <a16:creationId xmlns:a16="http://schemas.microsoft.com/office/drawing/2014/main" id="{A5775F4B-38F2-46CD-40E3-7E6251A521ED}"/>
-              </a:ext>
-            </a:extLst>
-          </p:cNvPr>
-          <p:cNvCxnSpPr>
-            <a:cxnSpLocks/>
-          </p:cNvCxnSpPr>
-          <p:nvPr/>
-        </p:nvCxnSpPr>
-        <p:spPr>
-          <a:xfrm>
-            <a:off x="8448213" y="2539564"/>
-            <a:ext cx="476251" cy="180975"/>
-          </a:xfrm>
-          <a:prstGeom prst="curvedConnector3">
-            <a:avLst>
-              <a:gd name="adj1" fmla="val 0"/>
-            </a:avLst>
-          </a:prstGeom>
-          <a:ln>
-            <a:solidFill>
-              <a:schemeClr val="bg1"/>
-            </a:solidFill>
-          </a:ln>
-        </p:spPr>
-        <p:style>
-          <a:lnRef idx="2">
-            <a:schemeClr val="accent1"/>
-          </a:lnRef>
-          <a:fillRef idx="0">
-            <a:schemeClr val="accent1"/>
-          </a:fillRef>
-          <a:effectRef idx="1">
-            <a:schemeClr val="accent1"/>
-          </a:effectRef>
-          <a:fontRef idx="minor">
-            <a:schemeClr val="tx1"/>
-          </a:fontRef>
-        </p:style>
-      </p:cxnSp>
-      <p:cxnSp>
-        <p:nvCxnSpPr>
-          <p:cNvPr id="43" name="Straight Connector 42">
-            <a:extLst>
-              <a:ext uri="{FF2B5EF4-FFF2-40B4-BE49-F238E27FC236}">
-                <a16:creationId xmlns:a16="http://schemas.microsoft.com/office/drawing/2014/main" id="{E66EB251-8816-A261-2B56-5C9563B802CC}"/>
-              </a:ext>
-            </a:extLst>
-          </p:cNvPr>
-          <p:cNvCxnSpPr>
-            <a:cxnSpLocks/>
-          </p:cNvCxnSpPr>
-          <p:nvPr/>
-        </p:nvCxnSpPr>
-        <p:spPr>
-          <a:xfrm flipH="1">
-            <a:off x="8448213" y="2297114"/>
-            <a:ext cx="2402" cy="332937"/>
-          </a:xfrm>
-          <a:prstGeom prst="line">
-            <a:avLst/>
-          </a:prstGeom>
-          <a:ln>
-            <a:solidFill>
-              <a:schemeClr val="bg1"/>
-            </a:solidFill>
-          </a:ln>
-        </p:spPr>
-        <p:style>
-          <a:lnRef idx="2">
-            <a:schemeClr val="accent1"/>
-          </a:lnRef>
-          <a:fillRef idx="0">
-            <a:schemeClr val="accent1"/>
-          </a:fillRef>
-          <a:effectRef idx="1">
-            <a:schemeClr val="accent1"/>
-          </a:effectRef>
-          <a:fontRef idx="minor">
-            <a:schemeClr val="tx1"/>
-          </a:fontRef>
-        </p:style>
-      </p:cxnSp>
-      <p:cxnSp>
-        <p:nvCxnSpPr>
-          <p:cNvPr id="44" name="Connector: Curved 43">
-            <a:extLst>
-              <a:ext uri="{FF2B5EF4-FFF2-40B4-BE49-F238E27FC236}">
-                <a16:creationId xmlns:a16="http://schemas.microsoft.com/office/drawing/2014/main" id="{17215D9C-143B-1EEF-49FB-A96DC72E0A9E}"/>
-              </a:ext>
-            </a:extLst>
-          </p:cNvPr>
-          <p:cNvCxnSpPr>
-            <a:cxnSpLocks/>
-          </p:cNvCxnSpPr>
-          <p:nvPr/>
-        </p:nvCxnSpPr>
-        <p:spPr>
-          <a:xfrm>
-            <a:off x="8461642" y="1473307"/>
-            <a:ext cx="476251" cy="180975"/>
-          </a:xfrm>
-          <a:prstGeom prst="curvedConnector3">
-            <a:avLst>
-              <a:gd name="adj1" fmla="val 0"/>
-            </a:avLst>
-          </a:prstGeom>
-          <a:ln>
-            <a:solidFill>
-              <a:schemeClr val="bg1"/>
-            </a:solidFill>
-          </a:ln>
-        </p:spPr>
-        <p:style>
-          <a:lnRef idx="2">
-            <a:schemeClr val="accent1"/>
-          </a:lnRef>
-          <a:fillRef idx="0">
-            <a:schemeClr val="accent1"/>
-          </a:fillRef>
-          <a:effectRef idx="1">
-            <a:schemeClr val="accent1"/>
-          </a:effectRef>
-          <a:fontRef idx="minor">
-            <a:schemeClr val="tx1"/>
-          </a:fontRef>
-        </p:style>
-      </p:cxnSp>
-      <p:cxnSp>
-        <p:nvCxnSpPr>
-          <p:cNvPr id="45" name="Connector: Curved 44">
-            <a:extLst>
-              <a:ext uri="{FF2B5EF4-FFF2-40B4-BE49-F238E27FC236}">
-                <a16:creationId xmlns:a16="http://schemas.microsoft.com/office/drawing/2014/main" id="{3C24A9D9-5B5D-2AC6-55F2-0E452833DFE9}"/>
-              </a:ext>
-            </a:extLst>
-          </p:cNvPr>
-          <p:cNvCxnSpPr>
-            <a:cxnSpLocks/>
-          </p:cNvCxnSpPr>
-          <p:nvPr/>
-        </p:nvCxnSpPr>
-        <p:spPr>
-          <a:xfrm>
-            <a:off x="8461642" y="1689576"/>
-            <a:ext cx="476251" cy="180975"/>
-          </a:xfrm>
-          <a:prstGeom prst="curvedConnector3">
-            <a:avLst>
-              <a:gd name="adj1" fmla="val 0"/>
-            </a:avLst>
-          </a:prstGeom>
-          <a:ln>
-            <a:solidFill>
-              <a:schemeClr val="bg1"/>
-            </a:solidFill>
-          </a:ln>
-        </p:spPr>
-        <p:style>
-          <a:lnRef idx="2">
-            <a:schemeClr val="accent1"/>
-          </a:lnRef>
-          <a:fillRef idx="0">
-            <a:schemeClr val="accent1"/>
-          </a:fillRef>
-          <a:effectRef idx="1">
-            <a:schemeClr val="accent1"/>
-          </a:effectRef>
-          <a:fontRef idx="minor">
-            <a:schemeClr val="tx1"/>
-          </a:fontRef>
-        </p:style>
-      </p:cxnSp>
-      <p:cxnSp>
-        <p:nvCxnSpPr>
-          <p:cNvPr id="46" name="Straight Connector 45">
-            <a:extLst>
-              <a:ext uri="{FF2B5EF4-FFF2-40B4-BE49-F238E27FC236}">
-                <a16:creationId xmlns:a16="http://schemas.microsoft.com/office/drawing/2014/main" id="{A1E710D9-C185-F71A-FE6F-04F907425223}"/>
-              </a:ext>
-            </a:extLst>
-          </p:cNvPr>
-          <p:cNvCxnSpPr>
-            <a:cxnSpLocks/>
-          </p:cNvCxnSpPr>
-          <p:nvPr/>
-        </p:nvCxnSpPr>
-        <p:spPr>
-          <a:xfrm flipH="1">
-            <a:off x="8461642" y="1447126"/>
-            <a:ext cx="2402" cy="332937"/>
-          </a:xfrm>
-          <a:prstGeom prst="line">
-            <a:avLst/>
-          </a:prstGeom>
-          <a:ln>
-            <a:solidFill>
-              <a:schemeClr val="bg1"/>
-            </a:solidFill>
-          </a:ln>
-        </p:spPr>
-        <p:style>
-          <a:lnRef idx="2">
-            <a:schemeClr val="accent1"/>
-          </a:lnRef>
-          <a:fillRef idx="0">
-            <a:schemeClr val="accent1"/>
-          </a:fillRef>
-          <a:effectRef idx="1">
-            <a:schemeClr val="accent1"/>
-          </a:effectRef>
-          <a:fontRef idx="minor">
-            <a:schemeClr val="tx1"/>
-          </a:fontRef>
-        </p:style>
-      </p:cxnSp>
       <p:sp>
         <p:nvSpPr>
           <p:cNvPr id="51" name="TextBox 50">
@@ -24495,51 +22199,2366 @@
           </a:p>
         </p:txBody>
       </p:sp>
-      <p:cxnSp>
-        <p:nvCxnSpPr>
-          <p:cNvPr id="4" name="Connector: Curved 3">
-            <a:extLst>
-              <a:ext uri="{FF2B5EF4-FFF2-40B4-BE49-F238E27FC236}">
-                <a16:creationId xmlns:a16="http://schemas.microsoft.com/office/drawing/2014/main" id="{1DC083D8-7502-DCAD-61FF-4F0012C7A238}"/>
-              </a:ext>
-            </a:extLst>
-          </p:cNvPr>
-          <p:cNvCxnSpPr>
-            <a:cxnSpLocks/>
-          </p:cNvCxnSpPr>
+      <p:grpSp>
+        <p:nvGrpSpPr>
+          <p:cNvPr id="5" name="Group 4">
+            <a:extLst>
+              <a:ext uri="{FF2B5EF4-FFF2-40B4-BE49-F238E27FC236}">
+                <a16:creationId xmlns:a16="http://schemas.microsoft.com/office/drawing/2014/main" id="{B46588D3-E652-2587-C393-1E6DF8462C81}"/>
+              </a:ext>
+            </a:extLst>
+          </p:cNvPr>
+          <p:cNvGrpSpPr/>
           <p:nvPr/>
-        </p:nvCxnSpPr>
-        <p:spPr>
+        </p:nvGrpSpPr>
+        <p:grpSpPr>
           <a:xfrm>
-            <a:off x="5475514" y="1277167"/>
-            <a:ext cx="476250" cy="180975"/>
+            <a:off x="5348745" y="872473"/>
+            <a:ext cx="5013402" cy="5483424"/>
+            <a:chOff x="5348745" y="872473"/>
+            <a:chExt cx="5013402" cy="5483424"/>
           </a:xfrm>
-          <a:prstGeom prst="curvedConnector3">
-            <a:avLst>
-              <a:gd name="adj1" fmla="val 0"/>
-            </a:avLst>
-          </a:prstGeom>
-          <a:ln>
-            <a:solidFill>
-              <a:schemeClr val="bg1"/>
-            </a:solidFill>
-          </a:ln>
-        </p:spPr>
-        <p:style>
-          <a:lnRef idx="2">
-            <a:schemeClr val="accent1"/>
-          </a:lnRef>
-          <a:fillRef idx="0">
-            <a:schemeClr val="accent1"/>
-          </a:fillRef>
-          <a:effectRef idx="1">
-            <a:schemeClr val="accent1"/>
-          </a:effectRef>
-          <a:fontRef idx="minor">
-            <a:schemeClr val="tx1"/>
-          </a:fontRef>
-        </p:style>
-      </p:cxnSp>
+        </p:grpSpPr>
+        <p:sp>
+          <p:nvSpPr>
+            <p:cNvPr id="9" name="TextBox 8">
+              <a:extLst>
+                <a:ext uri="{FF2B5EF4-FFF2-40B4-BE49-F238E27FC236}">
+                  <a16:creationId xmlns:a16="http://schemas.microsoft.com/office/drawing/2014/main" id="{AEA0D76A-C7AA-E48E-EB07-84ADD0377550}"/>
+                </a:ext>
+              </a:extLst>
+            </p:cNvPr>
+            <p:cNvSpPr txBox="1"/>
+            <p:nvPr/>
+          </p:nvSpPr>
+          <p:spPr>
+            <a:xfrm>
+              <a:off x="5348745" y="877474"/>
+              <a:ext cx="2476255" cy="5478423"/>
+            </a:xfrm>
+            <a:prstGeom prst="rect">
+              <a:avLst/>
+            </a:prstGeom>
+            <a:noFill/>
+            <a:ln>
+              <a:noFill/>
+            </a:ln>
+          </p:spPr>
+          <p:txBody>
+            <a:bodyPr wrap="none" rtlCol="0">
+              <a:spAutoFit/>
+            </a:bodyPr>
+            <a:lstStyle/>
+            <a:p>
+              <a:pPr marL="285750" indent="-285750">
+                <a:buFont typeface="Wingdings" panose="05000000000000000000" pitchFamily="2" charset="2"/>
+                <a:buChar char="§"/>
+              </a:pPr>
+              <a:r>
+                <a:rPr lang="en-GB" sz="1400" b="1" dirty="0">
+                  <a:solidFill>
+                    <a:schemeClr val="tx2">
+                      <a:lumMod val="25000"/>
+                      <a:lumOff val="75000"/>
+                    </a:schemeClr>
+                  </a:solidFill>
+                </a:rPr>
+                <a:t>Resources</a:t>
+              </a:r>
+            </a:p>
+            <a:p>
+              <a:pPr marL="285750" indent="-285750">
+                <a:buFont typeface="Wingdings" panose="05000000000000000000" pitchFamily="2" charset="2"/>
+                <a:buChar char="§"/>
+              </a:pPr>
+              <a:r>
+                <a:rPr lang="en-GB" sz="1400" b="1" dirty="0">
+                  <a:solidFill>
+                    <a:schemeClr val="tx2">
+                      <a:lumMod val="25000"/>
+                      <a:lumOff val="75000"/>
+                    </a:schemeClr>
+                  </a:solidFill>
+                </a:rPr>
+                <a:t>Rendering</a:t>
+              </a:r>
+            </a:p>
+            <a:p>
+              <a:pPr marL="742950" lvl="1" indent="-285750">
+                <a:buFont typeface="Wingdings" panose="05000000000000000000" pitchFamily="2" charset="2"/>
+                <a:buChar char="§"/>
+              </a:pPr>
+              <a:r>
+                <a:rPr lang="en-GB" sz="1400" dirty="0">
+                  <a:solidFill>
+                    <a:schemeClr val="bg1"/>
+                  </a:solidFill>
+                </a:rPr>
+                <a:t>Shaders</a:t>
+              </a:r>
+            </a:p>
+            <a:p>
+              <a:pPr marL="285750" indent="-285750">
+                <a:buFont typeface="Wingdings" panose="05000000000000000000" pitchFamily="2" charset="2"/>
+                <a:buChar char="§"/>
+              </a:pPr>
+              <a:r>
+                <a:rPr lang="en-GB" sz="1400" b="1" dirty="0">
+                  <a:solidFill>
+                    <a:schemeClr val="tx2">
+                      <a:lumMod val="25000"/>
+                      <a:lumOff val="75000"/>
+                    </a:schemeClr>
+                  </a:solidFill>
+                </a:rPr>
+                <a:t>Settings</a:t>
+              </a:r>
+            </a:p>
+            <a:p>
+              <a:pPr marL="285750" indent="-285750">
+                <a:buFont typeface="Wingdings" panose="05000000000000000000" pitchFamily="2" charset="2"/>
+                <a:buChar char="§"/>
+              </a:pPr>
+              <a:r>
+                <a:rPr lang="en-GB" sz="1400" b="1" dirty="0">
+                  <a:solidFill>
+                    <a:schemeClr val="tx2">
+                      <a:lumMod val="25000"/>
+                      <a:lumOff val="75000"/>
+                    </a:schemeClr>
+                  </a:solidFill>
+                </a:rPr>
+                <a:t>Audio</a:t>
+              </a:r>
+            </a:p>
+            <a:p>
+              <a:pPr marL="742950" lvl="1" indent="-285750">
+                <a:buFont typeface="Wingdings" panose="05000000000000000000" pitchFamily="2" charset="2"/>
+                <a:buChar char="§"/>
+              </a:pPr>
+              <a:r>
+                <a:rPr lang="en-GB" sz="1400" dirty="0">
+                  <a:solidFill>
+                    <a:schemeClr val="bg1"/>
+                  </a:solidFill>
+                </a:rPr>
+                <a:t>Music</a:t>
+              </a:r>
+            </a:p>
+            <a:p>
+              <a:pPr marL="742950" lvl="1" indent="-285750">
+                <a:buFont typeface="Wingdings" panose="05000000000000000000" pitchFamily="2" charset="2"/>
+                <a:buChar char="§"/>
+              </a:pPr>
+              <a:r>
+                <a:rPr lang="en-GB" sz="1400" dirty="0">
+                  <a:solidFill>
+                    <a:schemeClr val="bg1"/>
+                  </a:solidFill>
+                </a:rPr>
+                <a:t>Ambient</a:t>
+              </a:r>
+            </a:p>
+            <a:p>
+              <a:pPr marL="742950" lvl="1" indent="-285750">
+                <a:buFont typeface="Wingdings" panose="05000000000000000000" pitchFamily="2" charset="2"/>
+                <a:buChar char="§"/>
+              </a:pPr>
+              <a:r>
+                <a:rPr lang="en-GB" sz="1400" dirty="0">
+                  <a:solidFill>
+                    <a:schemeClr val="bg1"/>
+                  </a:solidFill>
+                </a:rPr>
+                <a:t>Samples</a:t>
+              </a:r>
+            </a:p>
+            <a:p>
+              <a:pPr marL="285750" indent="-285750">
+                <a:buFont typeface="Wingdings" panose="05000000000000000000" pitchFamily="2" charset="2"/>
+                <a:buChar char="§"/>
+              </a:pPr>
+              <a:r>
+                <a:rPr lang="en-GB" sz="1400" b="1" dirty="0">
+                  <a:solidFill>
+                    <a:schemeClr val="tx2">
+                      <a:lumMod val="25000"/>
+                      <a:lumOff val="75000"/>
+                    </a:schemeClr>
+                  </a:solidFill>
+                </a:rPr>
+                <a:t>Scripts</a:t>
+              </a:r>
+            </a:p>
+            <a:p>
+              <a:pPr marL="742950" lvl="1" indent="-285750">
+                <a:buFont typeface="Wingdings" panose="05000000000000000000" pitchFamily="2" charset="2"/>
+                <a:buChar char="§"/>
+              </a:pPr>
+              <a:r>
+                <a:rPr lang="en-GB" sz="1400" dirty="0">
+                  <a:solidFill>
+                    <a:schemeClr val="bg1"/>
+                  </a:solidFill>
+                </a:rPr>
+                <a:t>Library</a:t>
+              </a:r>
+            </a:p>
+            <a:p>
+              <a:pPr marL="742950" lvl="1" indent="-285750">
+                <a:buFont typeface="Wingdings" panose="05000000000000000000" pitchFamily="2" charset="2"/>
+                <a:buChar char="§"/>
+              </a:pPr>
+              <a:r>
+                <a:rPr lang="en-GB" sz="1400" dirty="0">
+                  <a:solidFill>
+                    <a:schemeClr val="bg1"/>
+                  </a:solidFill>
+                </a:rPr>
+                <a:t>Editor</a:t>
+              </a:r>
+            </a:p>
+            <a:p>
+              <a:pPr marL="742950" lvl="1" indent="-285750">
+                <a:buFont typeface="Wingdings" panose="05000000000000000000" pitchFamily="2" charset="2"/>
+                <a:buChar char="§"/>
+              </a:pPr>
+              <a:r>
+                <a:rPr lang="en-GB" sz="1400" dirty="0">
+                  <a:solidFill>
+                    <a:schemeClr val="bg1"/>
+                  </a:solidFill>
+                </a:rPr>
+                <a:t>Architecture</a:t>
+              </a:r>
+            </a:p>
+            <a:p>
+              <a:pPr marL="742950" lvl="1" indent="-285750">
+                <a:buFont typeface="Wingdings" panose="05000000000000000000" pitchFamily="2" charset="2"/>
+                <a:buChar char="§"/>
+              </a:pPr>
+              <a:r>
+                <a:rPr lang="en-GB" sz="1400" dirty="0" err="1">
+                  <a:solidFill>
+                    <a:schemeClr val="bg1"/>
+                  </a:solidFill>
+                </a:rPr>
+                <a:t>GameObjects</a:t>
+              </a:r>
+              <a:endParaRPr lang="en-GB" sz="1400" dirty="0">
+                <a:solidFill>
+                  <a:schemeClr val="bg1"/>
+                </a:solidFill>
+              </a:endParaRPr>
+            </a:p>
+            <a:p>
+              <a:pPr marL="742950" lvl="1" indent="-285750">
+                <a:buFont typeface="Wingdings" panose="05000000000000000000" pitchFamily="2" charset="2"/>
+                <a:buChar char="§"/>
+              </a:pPr>
+              <a:r>
+                <a:rPr lang="en-GB" sz="1400" dirty="0" err="1">
+                  <a:solidFill>
+                    <a:schemeClr val="bg1"/>
+                  </a:solidFill>
+                </a:rPr>
+                <a:t>ScriptableObjects</a:t>
+              </a:r>
+              <a:endParaRPr lang="en-GB" sz="1400" dirty="0">
+                <a:solidFill>
+                  <a:schemeClr val="bg1"/>
+                </a:solidFill>
+              </a:endParaRPr>
+            </a:p>
+            <a:p>
+              <a:pPr marL="742950" lvl="1" indent="-285750">
+                <a:buFont typeface="Wingdings" panose="05000000000000000000" pitchFamily="2" charset="2"/>
+                <a:buChar char="§"/>
+              </a:pPr>
+              <a:r>
+                <a:rPr lang="en-GB" sz="1400" dirty="0">
+                  <a:solidFill>
+                    <a:schemeClr val="bg1"/>
+                  </a:solidFill>
+                </a:rPr>
+                <a:t>Strings</a:t>
+              </a:r>
+            </a:p>
+            <a:p>
+              <a:pPr marL="285750" indent="-285750">
+                <a:buFont typeface="Wingdings" panose="05000000000000000000" pitchFamily="2" charset="2"/>
+                <a:buChar char="§"/>
+              </a:pPr>
+              <a:r>
+                <a:rPr lang="en-GB" sz="1400" b="1" dirty="0">
+                  <a:solidFill>
+                    <a:schemeClr val="tx2">
+                      <a:lumMod val="25000"/>
+                      <a:lumOff val="75000"/>
+                    </a:schemeClr>
+                  </a:solidFill>
+                </a:rPr>
+                <a:t>Prefabs</a:t>
+              </a:r>
+            </a:p>
+            <a:p>
+              <a:pPr marL="742950" lvl="1" indent="-285750">
+                <a:buFont typeface="Wingdings" panose="05000000000000000000" pitchFamily="2" charset="2"/>
+                <a:buChar char="§"/>
+              </a:pPr>
+              <a:r>
+                <a:rPr lang="en-GB" sz="1400" dirty="0">
+                  <a:solidFill>
+                    <a:schemeClr val="bg1"/>
+                  </a:solidFill>
+                </a:rPr>
+                <a:t>UI</a:t>
+              </a:r>
+            </a:p>
+            <a:p>
+              <a:pPr marL="742950" lvl="1" indent="-285750">
+                <a:buFont typeface="Wingdings" panose="05000000000000000000" pitchFamily="2" charset="2"/>
+                <a:buChar char="§"/>
+              </a:pPr>
+              <a:r>
+                <a:rPr lang="en-GB" sz="1400" dirty="0">
+                  <a:solidFill>
+                    <a:schemeClr val="bg1"/>
+                  </a:solidFill>
+                </a:rPr>
+                <a:t>Components</a:t>
+              </a:r>
+            </a:p>
+            <a:p>
+              <a:pPr marL="1200150" lvl="2" indent="-285750">
+                <a:buFont typeface="Wingdings" panose="05000000000000000000" pitchFamily="2" charset="2"/>
+                <a:buChar char="§"/>
+              </a:pPr>
+              <a:r>
+                <a:rPr lang="en-GB" sz="1400" dirty="0">
+                  <a:solidFill>
+                    <a:schemeClr val="bg1"/>
+                  </a:solidFill>
+                </a:rPr>
+                <a:t>Managers</a:t>
+              </a:r>
+            </a:p>
+            <a:p>
+              <a:pPr marL="1200150" lvl="2" indent="-285750">
+                <a:buFont typeface="Wingdings" panose="05000000000000000000" pitchFamily="2" charset="2"/>
+                <a:buChar char="§"/>
+              </a:pPr>
+              <a:r>
+                <a:rPr lang="en-GB" sz="1400" dirty="0">
+                  <a:solidFill>
+                    <a:schemeClr val="bg1"/>
+                  </a:solidFill>
+                </a:rPr>
+                <a:t>Controllers</a:t>
+              </a:r>
+            </a:p>
+            <a:p>
+              <a:pPr marL="1200150" lvl="2" indent="-285750">
+                <a:buFont typeface="Wingdings" panose="05000000000000000000" pitchFamily="2" charset="2"/>
+                <a:buChar char="§"/>
+              </a:pPr>
+              <a:r>
+                <a:rPr lang="en-GB" sz="1400" dirty="0" err="1">
+                  <a:solidFill>
+                    <a:schemeClr val="bg1"/>
+                  </a:solidFill>
+                </a:rPr>
+                <a:t>GameObjects</a:t>
+              </a:r>
+              <a:endParaRPr lang="en-GB" sz="1400" dirty="0">
+                <a:solidFill>
+                  <a:schemeClr val="bg1"/>
+                </a:solidFill>
+              </a:endParaRPr>
+            </a:p>
+            <a:p>
+              <a:pPr marL="742950" lvl="1" indent="-285750">
+                <a:buFont typeface="Wingdings" panose="05000000000000000000" pitchFamily="2" charset="2"/>
+                <a:buChar char="§"/>
+              </a:pPr>
+              <a:r>
+                <a:rPr lang="en-GB" sz="1400" dirty="0">
+                  <a:solidFill>
+                    <a:schemeClr val="bg1"/>
+                  </a:solidFill>
+                </a:rPr>
+                <a:t>Scenery</a:t>
+              </a:r>
+            </a:p>
+            <a:p>
+              <a:pPr marL="742950" lvl="1" indent="-285750">
+                <a:buFont typeface="Wingdings" panose="05000000000000000000" pitchFamily="2" charset="2"/>
+                <a:buChar char="§"/>
+              </a:pPr>
+              <a:r>
+                <a:rPr lang="en-GB" sz="1400" dirty="0">
+                  <a:solidFill>
+                    <a:schemeClr val="bg1"/>
+                  </a:solidFill>
+                </a:rPr>
+                <a:t>Props</a:t>
+              </a:r>
+            </a:p>
+            <a:p>
+              <a:pPr marL="742950" lvl="1" indent="-285750">
+                <a:buFont typeface="Wingdings" panose="05000000000000000000" pitchFamily="2" charset="2"/>
+                <a:buChar char="§"/>
+              </a:pPr>
+              <a:r>
+                <a:rPr lang="en-GB" sz="1400" dirty="0">
+                  <a:solidFill>
+                    <a:schemeClr val="bg1"/>
+                  </a:solidFill>
+                </a:rPr>
+                <a:t>Characters</a:t>
+              </a:r>
+            </a:p>
+            <a:p>
+              <a:pPr marL="742950" lvl="1" indent="-285750">
+                <a:buFont typeface="Wingdings" panose="05000000000000000000" pitchFamily="2" charset="2"/>
+                <a:buChar char="§"/>
+              </a:pPr>
+              <a:r>
+                <a:rPr lang="en-GB" sz="1400" dirty="0">
+                  <a:solidFill>
+                    <a:schemeClr val="bg1"/>
+                  </a:solidFill>
+                </a:rPr>
+                <a:t>Effects</a:t>
+              </a:r>
+            </a:p>
+          </p:txBody>
+        </p:sp>
+        <p:cxnSp>
+          <p:nvCxnSpPr>
+            <p:cNvPr id="10" name="Straight Connector 9">
+              <a:extLst>
+                <a:ext uri="{FF2B5EF4-FFF2-40B4-BE49-F238E27FC236}">
+                  <a16:creationId xmlns:a16="http://schemas.microsoft.com/office/drawing/2014/main" id="{B0B2F113-1A6A-C708-3B5D-54B574A55B94}"/>
+                </a:ext>
+              </a:extLst>
+            </p:cNvPr>
+            <p:cNvCxnSpPr>
+              <a:cxnSpLocks/>
+            </p:cNvCxnSpPr>
+            <p:nvPr/>
+          </p:nvCxnSpPr>
+          <p:spPr>
+            <a:xfrm>
+              <a:off x="5475514" y="996298"/>
+              <a:ext cx="0" cy="4972461"/>
+            </a:xfrm>
+            <a:prstGeom prst="line">
+              <a:avLst/>
+            </a:prstGeom>
+            <a:ln>
+              <a:solidFill>
+                <a:schemeClr val="bg1"/>
+              </a:solidFill>
+            </a:ln>
+          </p:spPr>
+          <p:style>
+            <a:lnRef idx="2">
+              <a:schemeClr val="accent1"/>
+            </a:lnRef>
+            <a:fillRef idx="0">
+              <a:schemeClr val="accent1"/>
+            </a:fillRef>
+            <a:effectRef idx="1">
+              <a:schemeClr val="accent1"/>
+            </a:effectRef>
+            <a:fontRef idx="minor">
+              <a:schemeClr val="tx1"/>
+            </a:fontRef>
+          </p:style>
+        </p:cxnSp>
+        <p:cxnSp>
+          <p:nvCxnSpPr>
+            <p:cNvPr id="34" name="Straight Connector 33">
+              <a:extLst>
+                <a:ext uri="{FF2B5EF4-FFF2-40B4-BE49-F238E27FC236}">
+                  <a16:creationId xmlns:a16="http://schemas.microsoft.com/office/drawing/2014/main" id="{B8A9488D-96C6-0BFC-6EFC-07717864C49E}"/>
+                </a:ext>
+              </a:extLst>
+            </p:cNvPr>
+            <p:cNvCxnSpPr>
+              <a:cxnSpLocks/>
+            </p:cNvCxnSpPr>
+            <p:nvPr/>
+          </p:nvCxnSpPr>
+          <p:spPr>
+            <a:xfrm flipH="1">
+              <a:off x="7985392" y="996298"/>
+              <a:ext cx="547" cy="3239127"/>
+            </a:xfrm>
+            <a:prstGeom prst="line">
+              <a:avLst/>
+            </a:prstGeom>
+            <a:ln>
+              <a:solidFill>
+                <a:schemeClr val="bg1"/>
+              </a:solidFill>
+            </a:ln>
+          </p:spPr>
+          <p:style>
+            <a:lnRef idx="2">
+              <a:schemeClr val="accent1"/>
+            </a:lnRef>
+            <a:fillRef idx="0">
+              <a:schemeClr val="accent1"/>
+            </a:fillRef>
+            <a:effectRef idx="1">
+              <a:schemeClr val="accent1"/>
+            </a:effectRef>
+            <a:fontRef idx="minor">
+              <a:schemeClr val="tx1"/>
+            </a:fontRef>
+          </p:style>
+        </p:cxnSp>
+        <p:sp>
+          <p:nvSpPr>
+            <p:cNvPr id="8" name="TextBox 7">
+              <a:extLst>
+                <a:ext uri="{FF2B5EF4-FFF2-40B4-BE49-F238E27FC236}">
+                  <a16:creationId xmlns:a16="http://schemas.microsoft.com/office/drawing/2014/main" id="{D93B759C-49FA-D9BC-F785-B8E01874CD9A}"/>
+                </a:ext>
+              </a:extLst>
+            </p:cNvPr>
+            <p:cNvSpPr txBox="1"/>
+            <p:nvPr/>
+          </p:nvSpPr>
+          <p:spPr>
+            <a:xfrm>
+              <a:off x="7863001" y="872473"/>
+              <a:ext cx="2499146" cy="3754874"/>
+            </a:xfrm>
+            <a:prstGeom prst="rect">
+              <a:avLst/>
+            </a:prstGeom>
+            <a:noFill/>
+          </p:spPr>
+          <p:txBody>
+            <a:bodyPr wrap="none" rtlCol="0">
+              <a:spAutoFit/>
+            </a:bodyPr>
+            <a:lstStyle/>
+            <a:p>
+              <a:pPr marL="285750" indent="-285750">
+                <a:buFont typeface="Wingdings" panose="05000000000000000000" pitchFamily="2" charset="2"/>
+                <a:buChar char="§"/>
+              </a:pPr>
+              <a:r>
+                <a:rPr lang="en-GB" sz="1400" b="1" dirty="0">
+                  <a:solidFill>
+                    <a:schemeClr val="tx2">
+                      <a:lumMod val="25000"/>
+                      <a:lumOff val="75000"/>
+                    </a:schemeClr>
+                  </a:solidFill>
+                </a:rPr>
+                <a:t>Animators</a:t>
+              </a:r>
+            </a:p>
+            <a:p>
+              <a:pPr marL="285750" indent="-285750">
+                <a:buFont typeface="Wingdings" panose="05000000000000000000" pitchFamily="2" charset="2"/>
+                <a:buChar char="§"/>
+              </a:pPr>
+              <a:r>
+                <a:rPr lang="en-GB" sz="1400" b="1" dirty="0">
+                  <a:solidFill>
+                    <a:schemeClr val="tx2">
+                      <a:lumMod val="25000"/>
+                      <a:lumOff val="75000"/>
+                    </a:schemeClr>
+                  </a:solidFill>
+                </a:rPr>
+                <a:t>Models</a:t>
+              </a:r>
+            </a:p>
+            <a:p>
+              <a:pPr marL="742950" lvl="1" indent="-285750">
+                <a:buFont typeface="Wingdings" panose="05000000000000000000" pitchFamily="2" charset="2"/>
+                <a:buChar char="§"/>
+              </a:pPr>
+              <a:r>
+                <a:rPr lang="en-GB" sz="1400" dirty="0">
+                  <a:solidFill>
+                    <a:schemeClr val="bg1"/>
+                  </a:solidFill>
+                </a:rPr>
+                <a:t>Scenery</a:t>
+              </a:r>
+            </a:p>
+            <a:p>
+              <a:pPr marL="1200150" lvl="2" indent="-285750">
+                <a:buFont typeface="Wingdings" panose="05000000000000000000" pitchFamily="2" charset="2"/>
+                <a:buChar char="§"/>
+              </a:pPr>
+              <a:r>
+                <a:rPr lang="en-GB" sz="1400" dirty="0">
+                  <a:solidFill>
+                    <a:schemeClr val="bg1"/>
+                  </a:solidFill>
+                </a:rPr>
+                <a:t>Meshes</a:t>
+              </a:r>
+            </a:p>
+            <a:p>
+              <a:pPr marL="1200150" lvl="2" indent="-285750">
+                <a:buFont typeface="Wingdings" panose="05000000000000000000" pitchFamily="2" charset="2"/>
+                <a:buChar char="§"/>
+              </a:pPr>
+              <a:r>
+                <a:rPr lang="en-GB" sz="1400" dirty="0">
+                  <a:solidFill>
+                    <a:schemeClr val="bg1"/>
+                  </a:solidFill>
+                </a:rPr>
+                <a:t>Materials</a:t>
+              </a:r>
+            </a:p>
+            <a:p>
+              <a:pPr marL="1657350" lvl="3" indent="-285750">
+                <a:buFont typeface="Wingdings" panose="05000000000000000000" pitchFamily="2" charset="2"/>
+                <a:buChar char="§"/>
+              </a:pPr>
+              <a:r>
+                <a:rPr lang="en-GB" sz="1400" dirty="0">
+                  <a:solidFill>
+                    <a:schemeClr val="bg1"/>
+                  </a:solidFill>
+                </a:rPr>
+                <a:t>Textures</a:t>
+              </a:r>
+            </a:p>
+            <a:p>
+              <a:pPr marL="742950" lvl="1" indent="-285750">
+                <a:buFont typeface="Wingdings" panose="05000000000000000000" pitchFamily="2" charset="2"/>
+                <a:buChar char="§"/>
+              </a:pPr>
+              <a:r>
+                <a:rPr lang="en-GB" sz="1400" dirty="0">
+                  <a:solidFill>
+                    <a:schemeClr val="bg1"/>
+                  </a:solidFill>
+                </a:rPr>
+                <a:t>Props</a:t>
+              </a:r>
+            </a:p>
+            <a:p>
+              <a:pPr marL="1200150" lvl="2" indent="-285750">
+                <a:buFont typeface="Wingdings" panose="05000000000000000000" pitchFamily="2" charset="2"/>
+                <a:buChar char="§"/>
+              </a:pPr>
+              <a:r>
+                <a:rPr lang="en-GB" sz="1400" dirty="0">
+                  <a:solidFill>
+                    <a:schemeClr val="bg1"/>
+                  </a:solidFill>
+                </a:rPr>
+                <a:t>Meshes</a:t>
+              </a:r>
+            </a:p>
+            <a:p>
+              <a:pPr marL="1200150" lvl="2" indent="-285750">
+                <a:buFont typeface="Wingdings" panose="05000000000000000000" pitchFamily="2" charset="2"/>
+                <a:buChar char="§"/>
+              </a:pPr>
+              <a:r>
+                <a:rPr lang="en-GB" sz="1400" dirty="0">
+                  <a:solidFill>
+                    <a:schemeClr val="bg1"/>
+                  </a:solidFill>
+                </a:rPr>
+                <a:t>Materials</a:t>
+              </a:r>
+            </a:p>
+            <a:p>
+              <a:pPr marL="1657350" lvl="3" indent="-285750">
+                <a:buFont typeface="Wingdings" panose="05000000000000000000" pitchFamily="2" charset="2"/>
+                <a:buChar char="§"/>
+              </a:pPr>
+              <a:r>
+                <a:rPr lang="en-GB" sz="1400" dirty="0">
+                  <a:solidFill>
+                    <a:schemeClr val="bg1"/>
+                  </a:solidFill>
+                </a:rPr>
+                <a:t>Textures</a:t>
+              </a:r>
+            </a:p>
+            <a:p>
+              <a:pPr marL="742950" lvl="1" indent="-285750">
+                <a:buFont typeface="Wingdings" panose="05000000000000000000" pitchFamily="2" charset="2"/>
+                <a:buChar char="§"/>
+              </a:pPr>
+              <a:r>
+                <a:rPr lang="en-GB" sz="1400" dirty="0">
+                  <a:solidFill>
+                    <a:schemeClr val="bg1"/>
+                  </a:solidFill>
+                </a:rPr>
+                <a:t>Characters</a:t>
+              </a:r>
+            </a:p>
+            <a:p>
+              <a:pPr marL="1200150" lvl="2" indent="-285750">
+                <a:buFont typeface="Wingdings" panose="05000000000000000000" pitchFamily="2" charset="2"/>
+                <a:buChar char="§"/>
+              </a:pPr>
+              <a:r>
+                <a:rPr lang="en-GB" sz="1400" dirty="0">
+                  <a:solidFill>
+                    <a:schemeClr val="bg1"/>
+                  </a:solidFill>
+                </a:rPr>
+                <a:t>Meshes</a:t>
+              </a:r>
+            </a:p>
+            <a:p>
+              <a:pPr marL="1200150" lvl="2" indent="-285750">
+                <a:buFont typeface="Wingdings" panose="05000000000000000000" pitchFamily="2" charset="2"/>
+                <a:buChar char="§"/>
+              </a:pPr>
+              <a:r>
+                <a:rPr lang="en-GB" sz="1400" dirty="0">
+                  <a:solidFill>
+                    <a:schemeClr val="bg1"/>
+                  </a:solidFill>
+                </a:rPr>
+                <a:t>Materials</a:t>
+              </a:r>
+            </a:p>
+            <a:p>
+              <a:pPr marL="1657350" lvl="3" indent="-285750">
+                <a:buFont typeface="Wingdings" panose="05000000000000000000" pitchFamily="2" charset="2"/>
+                <a:buChar char="§"/>
+              </a:pPr>
+              <a:r>
+                <a:rPr lang="en-GB" sz="1400" dirty="0">
+                  <a:solidFill>
+                    <a:schemeClr val="bg1"/>
+                  </a:solidFill>
+                </a:rPr>
+                <a:t>Textures</a:t>
+              </a:r>
+            </a:p>
+            <a:p>
+              <a:pPr marL="285750" indent="-285750">
+                <a:buFont typeface="Wingdings" panose="05000000000000000000" pitchFamily="2" charset="2"/>
+                <a:buChar char="§"/>
+              </a:pPr>
+              <a:r>
+                <a:rPr lang="en-GB" sz="1400" b="1" dirty="0">
+                  <a:solidFill>
+                    <a:schemeClr val="tx2">
+                      <a:lumMod val="25000"/>
+                      <a:lumOff val="75000"/>
+                    </a:schemeClr>
+                  </a:solidFill>
+                </a:rPr>
+                <a:t>Scenes</a:t>
+              </a:r>
+            </a:p>
+            <a:p>
+              <a:pPr marL="285750" indent="-285750">
+                <a:buFont typeface="Wingdings" panose="05000000000000000000" pitchFamily="2" charset="2"/>
+                <a:buChar char="§"/>
+              </a:pPr>
+              <a:r>
+                <a:rPr lang="en-GB" sz="1400" b="1" dirty="0">
+                  <a:solidFill>
+                    <a:schemeClr val="accent2">
+                      <a:lumMod val="75000"/>
+                    </a:schemeClr>
+                  </a:solidFill>
+                </a:rPr>
+                <a:t>WIP</a:t>
+              </a:r>
+            </a:p>
+            <a:p>
+              <a:endParaRPr lang="en-GB" sz="1400" dirty="0">
+                <a:solidFill>
+                  <a:schemeClr val="bg1"/>
+                </a:solidFill>
+              </a:endParaRPr>
+            </a:p>
+          </p:txBody>
+        </p:sp>
+        <p:cxnSp>
+          <p:nvCxnSpPr>
+            <p:cNvPr id="11" name="Connector: Curved 10">
+              <a:extLst>
+                <a:ext uri="{FF2B5EF4-FFF2-40B4-BE49-F238E27FC236}">
+                  <a16:creationId xmlns:a16="http://schemas.microsoft.com/office/drawing/2014/main" id="{3602FC56-2423-DFEF-C713-095889E7AE93}"/>
+                </a:ext>
+              </a:extLst>
+            </p:cNvPr>
+            <p:cNvCxnSpPr>
+              <a:cxnSpLocks/>
+            </p:cNvCxnSpPr>
+            <p:nvPr/>
+          </p:nvCxnSpPr>
+          <p:spPr>
+            <a:xfrm>
+              <a:off x="5475514" y="1905817"/>
+              <a:ext cx="476250" cy="180975"/>
+            </a:xfrm>
+            <a:prstGeom prst="curvedConnector3">
+              <a:avLst>
+                <a:gd name="adj1" fmla="val 0"/>
+              </a:avLst>
+            </a:prstGeom>
+            <a:ln>
+              <a:solidFill>
+                <a:schemeClr val="bg1"/>
+              </a:solidFill>
+            </a:ln>
+          </p:spPr>
+          <p:style>
+            <a:lnRef idx="2">
+              <a:schemeClr val="accent1"/>
+            </a:lnRef>
+            <a:fillRef idx="0">
+              <a:schemeClr val="accent1"/>
+            </a:fillRef>
+            <a:effectRef idx="1">
+              <a:schemeClr val="accent1"/>
+            </a:effectRef>
+            <a:fontRef idx="minor">
+              <a:schemeClr val="tx1"/>
+            </a:fontRef>
+          </p:style>
+        </p:cxnSp>
+        <p:cxnSp>
+          <p:nvCxnSpPr>
+            <p:cNvPr id="12" name="Connector: Curved 11">
+              <a:extLst>
+                <a:ext uri="{FF2B5EF4-FFF2-40B4-BE49-F238E27FC236}">
+                  <a16:creationId xmlns:a16="http://schemas.microsoft.com/office/drawing/2014/main" id="{D78539EB-FB63-9428-A7E0-A009DFEF9F0C}"/>
+                </a:ext>
+              </a:extLst>
+            </p:cNvPr>
+            <p:cNvCxnSpPr>
+              <a:cxnSpLocks/>
+            </p:cNvCxnSpPr>
+            <p:nvPr/>
+          </p:nvCxnSpPr>
+          <p:spPr>
+            <a:xfrm>
+              <a:off x="5475514" y="2115367"/>
+              <a:ext cx="476250" cy="180975"/>
+            </a:xfrm>
+            <a:prstGeom prst="curvedConnector3">
+              <a:avLst>
+                <a:gd name="adj1" fmla="val 0"/>
+              </a:avLst>
+            </a:prstGeom>
+            <a:ln>
+              <a:solidFill>
+                <a:schemeClr val="bg1"/>
+              </a:solidFill>
+            </a:ln>
+          </p:spPr>
+          <p:style>
+            <a:lnRef idx="2">
+              <a:schemeClr val="accent1"/>
+            </a:lnRef>
+            <a:fillRef idx="0">
+              <a:schemeClr val="accent1"/>
+            </a:fillRef>
+            <a:effectRef idx="1">
+              <a:schemeClr val="accent1"/>
+            </a:effectRef>
+            <a:fontRef idx="minor">
+              <a:schemeClr val="tx1"/>
+            </a:fontRef>
+          </p:style>
+        </p:cxnSp>
+        <p:cxnSp>
+          <p:nvCxnSpPr>
+            <p:cNvPr id="13" name="Connector: Curved 12">
+              <a:extLst>
+                <a:ext uri="{FF2B5EF4-FFF2-40B4-BE49-F238E27FC236}">
+                  <a16:creationId xmlns:a16="http://schemas.microsoft.com/office/drawing/2014/main" id="{7628AAA4-2BA5-4E61-4529-2E26E0C0A8D0}"/>
+                </a:ext>
+              </a:extLst>
+            </p:cNvPr>
+            <p:cNvCxnSpPr>
+              <a:cxnSpLocks/>
+            </p:cNvCxnSpPr>
+            <p:nvPr/>
+          </p:nvCxnSpPr>
+          <p:spPr>
+            <a:xfrm>
+              <a:off x="5475514" y="2343967"/>
+              <a:ext cx="476250" cy="180975"/>
+            </a:xfrm>
+            <a:prstGeom prst="curvedConnector3">
+              <a:avLst>
+                <a:gd name="adj1" fmla="val 0"/>
+              </a:avLst>
+            </a:prstGeom>
+            <a:ln>
+              <a:solidFill>
+                <a:schemeClr val="bg1"/>
+              </a:solidFill>
+            </a:ln>
+          </p:spPr>
+          <p:style>
+            <a:lnRef idx="2">
+              <a:schemeClr val="accent1"/>
+            </a:lnRef>
+            <a:fillRef idx="0">
+              <a:schemeClr val="accent1"/>
+            </a:fillRef>
+            <a:effectRef idx="1">
+              <a:schemeClr val="accent1"/>
+            </a:effectRef>
+            <a:fontRef idx="minor">
+              <a:schemeClr val="tx1"/>
+            </a:fontRef>
+          </p:style>
+        </p:cxnSp>
+        <p:cxnSp>
+          <p:nvCxnSpPr>
+            <p:cNvPr id="14" name="Connector: Curved 13">
+              <a:extLst>
+                <a:ext uri="{FF2B5EF4-FFF2-40B4-BE49-F238E27FC236}">
+                  <a16:creationId xmlns:a16="http://schemas.microsoft.com/office/drawing/2014/main" id="{30B23DAB-84A8-90D4-DEA4-EF2C5DA45DD2}"/>
+                </a:ext>
+              </a:extLst>
+            </p:cNvPr>
+            <p:cNvCxnSpPr>
+              <a:cxnSpLocks/>
+            </p:cNvCxnSpPr>
+            <p:nvPr/>
+          </p:nvCxnSpPr>
+          <p:spPr>
+            <a:xfrm>
+              <a:off x="5475514" y="2753542"/>
+              <a:ext cx="476250" cy="180975"/>
+            </a:xfrm>
+            <a:prstGeom prst="curvedConnector3">
+              <a:avLst>
+                <a:gd name="adj1" fmla="val 0"/>
+              </a:avLst>
+            </a:prstGeom>
+            <a:ln>
+              <a:solidFill>
+                <a:schemeClr val="bg1"/>
+              </a:solidFill>
+            </a:ln>
+          </p:spPr>
+          <p:style>
+            <a:lnRef idx="2">
+              <a:schemeClr val="accent1"/>
+            </a:lnRef>
+            <a:fillRef idx="0">
+              <a:schemeClr val="accent1"/>
+            </a:fillRef>
+            <a:effectRef idx="1">
+              <a:schemeClr val="accent1"/>
+            </a:effectRef>
+            <a:fontRef idx="minor">
+              <a:schemeClr val="tx1"/>
+            </a:fontRef>
+          </p:style>
+        </p:cxnSp>
+        <p:cxnSp>
+          <p:nvCxnSpPr>
+            <p:cNvPr id="15" name="Connector: Curved 14">
+              <a:extLst>
+                <a:ext uri="{FF2B5EF4-FFF2-40B4-BE49-F238E27FC236}">
+                  <a16:creationId xmlns:a16="http://schemas.microsoft.com/office/drawing/2014/main" id="{A39EA9C8-8C8B-E00F-E23A-7C5425F20601}"/>
+                </a:ext>
+              </a:extLst>
+            </p:cNvPr>
+            <p:cNvCxnSpPr>
+              <a:cxnSpLocks/>
+            </p:cNvCxnSpPr>
+            <p:nvPr/>
+          </p:nvCxnSpPr>
+          <p:spPr>
+            <a:xfrm>
+              <a:off x="5475514" y="2963092"/>
+              <a:ext cx="476250" cy="180975"/>
+            </a:xfrm>
+            <a:prstGeom prst="curvedConnector3">
+              <a:avLst>
+                <a:gd name="adj1" fmla="val 0"/>
+              </a:avLst>
+            </a:prstGeom>
+            <a:ln>
+              <a:solidFill>
+                <a:schemeClr val="bg1"/>
+              </a:solidFill>
+            </a:ln>
+          </p:spPr>
+          <p:style>
+            <a:lnRef idx="2">
+              <a:schemeClr val="accent1"/>
+            </a:lnRef>
+            <a:fillRef idx="0">
+              <a:schemeClr val="accent1"/>
+            </a:fillRef>
+            <a:effectRef idx="1">
+              <a:schemeClr val="accent1"/>
+            </a:effectRef>
+            <a:fontRef idx="minor">
+              <a:schemeClr val="tx1"/>
+            </a:fontRef>
+          </p:style>
+        </p:cxnSp>
+        <p:cxnSp>
+          <p:nvCxnSpPr>
+            <p:cNvPr id="16" name="Connector: Curved 15">
+              <a:extLst>
+                <a:ext uri="{FF2B5EF4-FFF2-40B4-BE49-F238E27FC236}">
+                  <a16:creationId xmlns:a16="http://schemas.microsoft.com/office/drawing/2014/main" id="{39F8A13B-00E5-A163-7B10-A8D63DF54BCD}"/>
+                </a:ext>
+              </a:extLst>
+            </p:cNvPr>
+            <p:cNvCxnSpPr>
+              <a:cxnSpLocks/>
+            </p:cNvCxnSpPr>
+            <p:nvPr/>
+          </p:nvCxnSpPr>
+          <p:spPr>
+            <a:xfrm>
+              <a:off x="5475514" y="3191692"/>
+              <a:ext cx="476250" cy="180975"/>
+            </a:xfrm>
+            <a:prstGeom prst="curvedConnector3">
+              <a:avLst>
+                <a:gd name="adj1" fmla="val 0"/>
+              </a:avLst>
+            </a:prstGeom>
+            <a:ln>
+              <a:solidFill>
+                <a:schemeClr val="bg1"/>
+              </a:solidFill>
+            </a:ln>
+          </p:spPr>
+          <p:style>
+            <a:lnRef idx="2">
+              <a:schemeClr val="accent1"/>
+            </a:lnRef>
+            <a:fillRef idx="0">
+              <a:schemeClr val="accent1"/>
+            </a:fillRef>
+            <a:effectRef idx="1">
+              <a:schemeClr val="accent1"/>
+            </a:effectRef>
+            <a:fontRef idx="minor">
+              <a:schemeClr val="tx1"/>
+            </a:fontRef>
+          </p:style>
+        </p:cxnSp>
+        <p:cxnSp>
+          <p:nvCxnSpPr>
+            <p:cNvPr id="17" name="Connector: Curved 16">
+              <a:extLst>
+                <a:ext uri="{FF2B5EF4-FFF2-40B4-BE49-F238E27FC236}">
+                  <a16:creationId xmlns:a16="http://schemas.microsoft.com/office/drawing/2014/main" id="{7CFAF656-0D96-D1F8-FD89-8C979AEF4CEE}"/>
+                </a:ext>
+              </a:extLst>
+            </p:cNvPr>
+            <p:cNvCxnSpPr>
+              <a:cxnSpLocks/>
+            </p:cNvCxnSpPr>
+            <p:nvPr/>
+          </p:nvCxnSpPr>
+          <p:spPr>
+            <a:xfrm>
+              <a:off x="5475514" y="3401242"/>
+              <a:ext cx="476251" cy="180975"/>
+            </a:xfrm>
+            <a:prstGeom prst="curvedConnector3">
+              <a:avLst>
+                <a:gd name="adj1" fmla="val 0"/>
+              </a:avLst>
+            </a:prstGeom>
+            <a:ln>
+              <a:solidFill>
+                <a:schemeClr val="bg1"/>
+              </a:solidFill>
+            </a:ln>
+          </p:spPr>
+          <p:style>
+            <a:lnRef idx="2">
+              <a:schemeClr val="accent1"/>
+            </a:lnRef>
+            <a:fillRef idx="0">
+              <a:schemeClr val="accent1"/>
+            </a:fillRef>
+            <a:effectRef idx="1">
+              <a:schemeClr val="accent1"/>
+            </a:effectRef>
+            <a:fontRef idx="minor">
+              <a:schemeClr val="tx1"/>
+            </a:fontRef>
+          </p:style>
+        </p:cxnSp>
+        <p:cxnSp>
+          <p:nvCxnSpPr>
+            <p:cNvPr id="18" name="Connector: Curved 17">
+              <a:extLst>
+                <a:ext uri="{FF2B5EF4-FFF2-40B4-BE49-F238E27FC236}">
+                  <a16:creationId xmlns:a16="http://schemas.microsoft.com/office/drawing/2014/main" id="{6D989D96-E0D0-DF66-74A5-989296CF9A41}"/>
+                </a:ext>
+              </a:extLst>
+            </p:cNvPr>
+            <p:cNvCxnSpPr>
+              <a:cxnSpLocks/>
+            </p:cNvCxnSpPr>
+            <p:nvPr/>
+          </p:nvCxnSpPr>
+          <p:spPr>
+            <a:xfrm>
+              <a:off x="5475514" y="3610792"/>
+              <a:ext cx="476251" cy="180975"/>
+            </a:xfrm>
+            <a:prstGeom prst="curvedConnector3">
+              <a:avLst>
+                <a:gd name="adj1" fmla="val 0"/>
+              </a:avLst>
+            </a:prstGeom>
+            <a:ln>
+              <a:solidFill>
+                <a:schemeClr val="bg1"/>
+              </a:solidFill>
+            </a:ln>
+          </p:spPr>
+          <p:style>
+            <a:lnRef idx="2">
+              <a:schemeClr val="accent1"/>
+            </a:lnRef>
+            <a:fillRef idx="0">
+              <a:schemeClr val="accent1"/>
+            </a:fillRef>
+            <a:effectRef idx="1">
+              <a:schemeClr val="accent1"/>
+            </a:effectRef>
+            <a:fontRef idx="minor">
+              <a:schemeClr val="tx1"/>
+            </a:fontRef>
+          </p:style>
+        </p:cxnSp>
+        <p:cxnSp>
+          <p:nvCxnSpPr>
+            <p:cNvPr id="19" name="Connector: Curved 18">
+              <a:extLst>
+                <a:ext uri="{FF2B5EF4-FFF2-40B4-BE49-F238E27FC236}">
+                  <a16:creationId xmlns:a16="http://schemas.microsoft.com/office/drawing/2014/main" id="{170C3FAE-C031-0D4B-0E60-8D6DB2D24324}"/>
+                </a:ext>
+              </a:extLst>
+            </p:cNvPr>
+            <p:cNvCxnSpPr>
+              <a:cxnSpLocks/>
+            </p:cNvCxnSpPr>
+            <p:nvPr/>
+          </p:nvCxnSpPr>
+          <p:spPr>
+            <a:xfrm>
+              <a:off x="5475514" y="3839392"/>
+              <a:ext cx="476251" cy="180975"/>
+            </a:xfrm>
+            <a:prstGeom prst="curvedConnector3">
+              <a:avLst>
+                <a:gd name="adj1" fmla="val 0"/>
+              </a:avLst>
+            </a:prstGeom>
+            <a:ln>
+              <a:solidFill>
+                <a:schemeClr val="bg1"/>
+              </a:solidFill>
+            </a:ln>
+          </p:spPr>
+          <p:style>
+            <a:lnRef idx="2">
+              <a:schemeClr val="accent1"/>
+            </a:lnRef>
+            <a:fillRef idx="0">
+              <a:schemeClr val="accent1"/>
+            </a:fillRef>
+            <a:effectRef idx="1">
+              <a:schemeClr val="accent1"/>
+            </a:effectRef>
+            <a:fontRef idx="minor">
+              <a:schemeClr val="tx1"/>
+            </a:fontRef>
+          </p:style>
+        </p:cxnSp>
+        <p:cxnSp>
+          <p:nvCxnSpPr>
+            <p:cNvPr id="21" name="Connector: Curved 20">
+              <a:extLst>
+                <a:ext uri="{FF2B5EF4-FFF2-40B4-BE49-F238E27FC236}">
+                  <a16:creationId xmlns:a16="http://schemas.microsoft.com/office/drawing/2014/main" id="{EF01816C-876C-DA3C-5441-97FF55302967}"/>
+                </a:ext>
+              </a:extLst>
+            </p:cNvPr>
+            <p:cNvCxnSpPr>
+              <a:cxnSpLocks/>
+            </p:cNvCxnSpPr>
+            <p:nvPr/>
+          </p:nvCxnSpPr>
+          <p:spPr>
+            <a:xfrm>
+              <a:off x="5477005" y="4254475"/>
+              <a:ext cx="476251" cy="180975"/>
+            </a:xfrm>
+            <a:prstGeom prst="curvedConnector3">
+              <a:avLst>
+                <a:gd name="adj1" fmla="val 0"/>
+              </a:avLst>
+            </a:prstGeom>
+            <a:ln>
+              <a:solidFill>
+                <a:schemeClr val="bg1"/>
+              </a:solidFill>
+            </a:ln>
+          </p:spPr>
+          <p:style>
+            <a:lnRef idx="2">
+              <a:schemeClr val="accent1"/>
+            </a:lnRef>
+            <a:fillRef idx="0">
+              <a:schemeClr val="accent1"/>
+            </a:fillRef>
+            <a:effectRef idx="1">
+              <a:schemeClr val="accent1"/>
+            </a:effectRef>
+            <a:fontRef idx="minor">
+              <a:schemeClr val="tx1"/>
+            </a:fontRef>
+          </p:style>
+        </p:cxnSp>
+        <p:cxnSp>
+          <p:nvCxnSpPr>
+            <p:cNvPr id="22" name="Connector: Curved 21">
+              <a:extLst>
+                <a:ext uri="{FF2B5EF4-FFF2-40B4-BE49-F238E27FC236}">
+                  <a16:creationId xmlns:a16="http://schemas.microsoft.com/office/drawing/2014/main" id="{F6597036-3236-EC74-419C-8C4E54B183A0}"/>
+                </a:ext>
+              </a:extLst>
+            </p:cNvPr>
+            <p:cNvCxnSpPr>
+              <a:cxnSpLocks/>
+            </p:cNvCxnSpPr>
+            <p:nvPr/>
+          </p:nvCxnSpPr>
+          <p:spPr>
+            <a:xfrm>
+              <a:off x="5477005" y="4483075"/>
+              <a:ext cx="476251" cy="180975"/>
+            </a:xfrm>
+            <a:prstGeom prst="curvedConnector3">
+              <a:avLst>
+                <a:gd name="adj1" fmla="val 0"/>
+              </a:avLst>
+            </a:prstGeom>
+            <a:ln>
+              <a:solidFill>
+                <a:schemeClr val="bg1"/>
+              </a:solidFill>
+            </a:ln>
+          </p:spPr>
+          <p:style>
+            <a:lnRef idx="2">
+              <a:schemeClr val="accent1"/>
+            </a:lnRef>
+            <a:fillRef idx="0">
+              <a:schemeClr val="accent1"/>
+            </a:fillRef>
+            <a:effectRef idx="1">
+              <a:schemeClr val="accent1"/>
+            </a:effectRef>
+            <a:fontRef idx="minor">
+              <a:schemeClr val="tx1"/>
+            </a:fontRef>
+          </p:style>
+        </p:cxnSp>
+        <p:cxnSp>
+          <p:nvCxnSpPr>
+            <p:cNvPr id="23" name="Connector: Curved 22">
+              <a:extLst>
+                <a:ext uri="{FF2B5EF4-FFF2-40B4-BE49-F238E27FC236}">
+                  <a16:creationId xmlns:a16="http://schemas.microsoft.com/office/drawing/2014/main" id="{8B70C38C-68D4-1072-7A25-5F02397DD980}"/>
+                </a:ext>
+              </a:extLst>
+            </p:cNvPr>
+            <p:cNvCxnSpPr>
+              <a:cxnSpLocks/>
+            </p:cNvCxnSpPr>
+            <p:nvPr/>
+          </p:nvCxnSpPr>
+          <p:spPr>
+            <a:xfrm>
+              <a:off x="5933658" y="4673359"/>
+              <a:ext cx="476251" cy="180975"/>
+            </a:xfrm>
+            <a:prstGeom prst="curvedConnector3">
+              <a:avLst>
+                <a:gd name="adj1" fmla="val 0"/>
+              </a:avLst>
+            </a:prstGeom>
+            <a:ln>
+              <a:solidFill>
+                <a:schemeClr val="bg1"/>
+              </a:solidFill>
+            </a:ln>
+          </p:spPr>
+          <p:style>
+            <a:lnRef idx="2">
+              <a:schemeClr val="accent1"/>
+            </a:lnRef>
+            <a:fillRef idx="0">
+              <a:schemeClr val="accent1"/>
+            </a:fillRef>
+            <a:effectRef idx="1">
+              <a:schemeClr val="accent1"/>
+            </a:effectRef>
+            <a:fontRef idx="minor">
+              <a:schemeClr val="tx1"/>
+            </a:fontRef>
+          </p:style>
+        </p:cxnSp>
+        <p:cxnSp>
+          <p:nvCxnSpPr>
+            <p:cNvPr id="24" name="Connector: Curved 23">
+              <a:extLst>
+                <a:ext uri="{FF2B5EF4-FFF2-40B4-BE49-F238E27FC236}">
+                  <a16:creationId xmlns:a16="http://schemas.microsoft.com/office/drawing/2014/main" id="{98A9B77D-0A23-1465-DB9C-DF7F77509FA8}"/>
+                </a:ext>
+              </a:extLst>
+            </p:cNvPr>
+            <p:cNvCxnSpPr>
+              <a:cxnSpLocks/>
+            </p:cNvCxnSpPr>
+            <p:nvPr/>
+          </p:nvCxnSpPr>
+          <p:spPr>
+            <a:xfrm>
+              <a:off x="5933657" y="4892650"/>
+              <a:ext cx="476251" cy="180975"/>
+            </a:xfrm>
+            <a:prstGeom prst="curvedConnector3">
+              <a:avLst>
+                <a:gd name="adj1" fmla="val 0"/>
+              </a:avLst>
+            </a:prstGeom>
+            <a:ln>
+              <a:solidFill>
+                <a:schemeClr val="bg1"/>
+              </a:solidFill>
+            </a:ln>
+          </p:spPr>
+          <p:style>
+            <a:lnRef idx="2">
+              <a:schemeClr val="accent1"/>
+            </a:lnRef>
+            <a:fillRef idx="0">
+              <a:schemeClr val="accent1"/>
+            </a:fillRef>
+            <a:effectRef idx="1">
+              <a:schemeClr val="accent1"/>
+            </a:effectRef>
+            <a:fontRef idx="minor">
+              <a:schemeClr val="tx1"/>
+            </a:fontRef>
+          </p:style>
+        </p:cxnSp>
+        <p:cxnSp>
+          <p:nvCxnSpPr>
+            <p:cNvPr id="25" name="Connector: Curved 24">
+              <a:extLst>
+                <a:ext uri="{FF2B5EF4-FFF2-40B4-BE49-F238E27FC236}">
+                  <a16:creationId xmlns:a16="http://schemas.microsoft.com/office/drawing/2014/main" id="{6B2FFEE3-699A-090F-497B-BF2D6D8CDFE6}"/>
+                </a:ext>
+              </a:extLst>
+            </p:cNvPr>
+            <p:cNvCxnSpPr>
+              <a:cxnSpLocks/>
+            </p:cNvCxnSpPr>
+            <p:nvPr/>
+          </p:nvCxnSpPr>
+          <p:spPr>
+            <a:xfrm>
+              <a:off x="5933656" y="5112726"/>
+              <a:ext cx="476251" cy="180975"/>
+            </a:xfrm>
+            <a:prstGeom prst="curvedConnector3">
+              <a:avLst>
+                <a:gd name="adj1" fmla="val 0"/>
+              </a:avLst>
+            </a:prstGeom>
+            <a:ln>
+              <a:solidFill>
+                <a:schemeClr val="bg1"/>
+              </a:solidFill>
+            </a:ln>
+          </p:spPr>
+          <p:style>
+            <a:lnRef idx="2">
+              <a:schemeClr val="accent1"/>
+            </a:lnRef>
+            <a:fillRef idx="0">
+              <a:schemeClr val="accent1"/>
+            </a:fillRef>
+            <a:effectRef idx="1">
+              <a:schemeClr val="accent1"/>
+            </a:effectRef>
+            <a:fontRef idx="minor">
+              <a:schemeClr val="tx1"/>
+            </a:fontRef>
+          </p:style>
+        </p:cxnSp>
+        <p:cxnSp>
+          <p:nvCxnSpPr>
+            <p:cNvPr id="26" name="Straight Connector 25">
+              <a:extLst>
+                <a:ext uri="{FF2B5EF4-FFF2-40B4-BE49-F238E27FC236}">
+                  <a16:creationId xmlns:a16="http://schemas.microsoft.com/office/drawing/2014/main" id="{F6B9C449-AE2F-FA29-58C2-ABDED77AF593}"/>
+                </a:ext>
+              </a:extLst>
+            </p:cNvPr>
+            <p:cNvCxnSpPr>
+              <a:cxnSpLocks/>
+            </p:cNvCxnSpPr>
+            <p:nvPr/>
+          </p:nvCxnSpPr>
+          <p:spPr>
+            <a:xfrm>
+              <a:off x="5933656" y="4654525"/>
+              <a:ext cx="0" cy="448676"/>
+            </a:xfrm>
+            <a:prstGeom prst="line">
+              <a:avLst/>
+            </a:prstGeom>
+            <a:ln>
+              <a:solidFill>
+                <a:schemeClr val="bg1"/>
+              </a:solidFill>
+            </a:ln>
+          </p:spPr>
+          <p:style>
+            <a:lnRef idx="2">
+              <a:schemeClr val="accent1"/>
+            </a:lnRef>
+            <a:fillRef idx="0">
+              <a:schemeClr val="accent1"/>
+            </a:fillRef>
+            <a:effectRef idx="1">
+              <a:schemeClr val="accent1"/>
+            </a:effectRef>
+            <a:fontRef idx="minor">
+              <a:schemeClr val="tx1"/>
+            </a:fontRef>
+          </p:style>
+        </p:cxnSp>
+        <p:cxnSp>
+          <p:nvCxnSpPr>
+            <p:cNvPr id="27" name="Connector: Curved 26">
+              <a:extLst>
+                <a:ext uri="{FF2B5EF4-FFF2-40B4-BE49-F238E27FC236}">
+                  <a16:creationId xmlns:a16="http://schemas.microsoft.com/office/drawing/2014/main" id="{853AB067-4163-2A46-F3D3-BF8B05E72BFB}"/>
+                </a:ext>
+              </a:extLst>
+            </p:cNvPr>
+            <p:cNvCxnSpPr>
+              <a:cxnSpLocks/>
+            </p:cNvCxnSpPr>
+            <p:nvPr/>
+          </p:nvCxnSpPr>
+          <p:spPr>
+            <a:xfrm>
+              <a:off x="5475514" y="5321059"/>
+              <a:ext cx="476250" cy="180975"/>
+            </a:xfrm>
+            <a:prstGeom prst="curvedConnector3">
+              <a:avLst>
+                <a:gd name="adj1" fmla="val 0"/>
+              </a:avLst>
+            </a:prstGeom>
+            <a:ln>
+              <a:solidFill>
+                <a:schemeClr val="bg1"/>
+              </a:solidFill>
+            </a:ln>
+          </p:spPr>
+          <p:style>
+            <a:lnRef idx="2">
+              <a:schemeClr val="accent1"/>
+            </a:lnRef>
+            <a:fillRef idx="0">
+              <a:schemeClr val="accent1"/>
+            </a:fillRef>
+            <a:effectRef idx="1">
+              <a:schemeClr val="accent1"/>
+            </a:effectRef>
+            <a:fontRef idx="minor">
+              <a:schemeClr val="tx1"/>
+            </a:fontRef>
+          </p:style>
+        </p:cxnSp>
+        <p:cxnSp>
+          <p:nvCxnSpPr>
+            <p:cNvPr id="28" name="Connector: Curved 27">
+              <a:extLst>
+                <a:ext uri="{FF2B5EF4-FFF2-40B4-BE49-F238E27FC236}">
+                  <a16:creationId xmlns:a16="http://schemas.microsoft.com/office/drawing/2014/main" id="{A82AB35A-A0EE-0996-34AD-40C819BE9CAB}"/>
+                </a:ext>
+              </a:extLst>
+            </p:cNvPr>
+            <p:cNvCxnSpPr>
+              <a:cxnSpLocks/>
+            </p:cNvCxnSpPr>
+            <p:nvPr/>
+          </p:nvCxnSpPr>
+          <p:spPr>
+            <a:xfrm>
+              <a:off x="5475514" y="5530609"/>
+              <a:ext cx="476251" cy="180975"/>
+            </a:xfrm>
+            <a:prstGeom prst="curvedConnector3">
+              <a:avLst>
+                <a:gd name="adj1" fmla="val 0"/>
+              </a:avLst>
+            </a:prstGeom>
+            <a:ln>
+              <a:solidFill>
+                <a:schemeClr val="bg1"/>
+              </a:solidFill>
+            </a:ln>
+          </p:spPr>
+          <p:style>
+            <a:lnRef idx="2">
+              <a:schemeClr val="accent1"/>
+            </a:lnRef>
+            <a:fillRef idx="0">
+              <a:schemeClr val="accent1"/>
+            </a:fillRef>
+            <a:effectRef idx="1">
+              <a:schemeClr val="accent1"/>
+            </a:effectRef>
+            <a:fontRef idx="minor">
+              <a:schemeClr val="tx1"/>
+            </a:fontRef>
+          </p:style>
+        </p:cxnSp>
+        <p:cxnSp>
+          <p:nvCxnSpPr>
+            <p:cNvPr id="29" name="Connector: Curved 28">
+              <a:extLst>
+                <a:ext uri="{FF2B5EF4-FFF2-40B4-BE49-F238E27FC236}">
+                  <a16:creationId xmlns:a16="http://schemas.microsoft.com/office/drawing/2014/main" id="{FFDBA893-0255-9261-C0C4-F28BAF91C85A}"/>
+                </a:ext>
+              </a:extLst>
+            </p:cNvPr>
+            <p:cNvCxnSpPr>
+              <a:cxnSpLocks/>
+            </p:cNvCxnSpPr>
+            <p:nvPr/>
+          </p:nvCxnSpPr>
+          <p:spPr>
+            <a:xfrm>
+              <a:off x="5475514" y="5740159"/>
+              <a:ext cx="476251" cy="180975"/>
+            </a:xfrm>
+            <a:prstGeom prst="curvedConnector3">
+              <a:avLst>
+                <a:gd name="adj1" fmla="val 0"/>
+              </a:avLst>
+            </a:prstGeom>
+            <a:ln>
+              <a:solidFill>
+                <a:schemeClr val="bg1"/>
+              </a:solidFill>
+            </a:ln>
+          </p:spPr>
+          <p:style>
+            <a:lnRef idx="2">
+              <a:schemeClr val="accent1"/>
+            </a:lnRef>
+            <a:fillRef idx="0">
+              <a:schemeClr val="accent1"/>
+            </a:fillRef>
+            <a:effectRef idx="1">
+              <a:schemeClr val="accent1"/>
+            </a:effectRef>
+            <a:fontRef idx="minor">
+              <a:schemeClr val="tx1"/>
+            </a:fontRef>
+          </p:style>
+        </p:cxnSp>
+        <p:cxnSp>
+          <p:nvCxnSpPr>
+            <p:cNvPr id="30" name="Connector: Curved 29">
+              <a:extLst>
+                <a:ext uri="{FF2B5EF4-FFF2-40B4-BE49-F238E27FC236}">
+                  <a16:creationId xmlns:a16="http://schemas.microsoft.com/office/drawing/2014/main" id="{E2E747D3-8D0C-01BC-0AB8-7A20A29A3597}"/>
+                </a:ext>
+              </a:extLst>
+            </p:cNvPr>
+            <p:cNvCxnSpPr>
+              <a:cxnSpLocks/>
+            </p:cNvCxnSpPr>
+            <p:nvPr/>
+          </p:nvCxnSpPr>
+          <p:spPr>
+            <a:xfrm>
+              <a:off x="5475514" y="5968759"/>
+              <a:ext cx="476251" cy="180975"/>
+            </a:xfrm>
+            <a:prstGeom prst="curvedConnector3">
+              <a:avLst>
+                <a:gd name="adj1" fmla="val 0"/>
+              </a:avLst>
+            </a:prstGeom>
+            <a:ln>
+              <a:solidFill>
+                <a:schemeClr val="bg1"/>
+              </a:solidFill>
+            </a:ln>
+          </p:spPr>
+          <p:style>
+            <a:lnRef idx="2">
+              <a:schemeClr val="accent1"/>
+            </a:lnRef>
+            <a:fillRef idx="0">
+              <a:schemeClr val="accent1"/>
+            </a:fillRef>
+            <a:effectRef idx="1">
+              <a:schemeClr val="accent1"/>
+            </a:effectRef>
+            <a:fontRef idx="minor">
+              <a:schemeClr val="tx1"/>
+            </a:fontRef>
+          </p:style>
+        </p:cxnSp>
+        <p:cxnSp>
+          <p:nvCxnSpPr>
+            <p:cNvPr id="31" name="Connector: Curved 30">
+              <a:extLst>
+                <a:ext uri="{FF2B5EF4-FFF2-40B4-BE49-F238E27FC236}">
+                  <a16:creationId xmlns:a16="http://schemas.microsoft.com/office/drawing/2014/main" id="{23F70E69-530D-8F7B-AAAE-B746A4B169F5}"/>
+                </a:ext>
+              </a:extLst>
+            </p:cNvPr>
+            <p:cNvCxnSpPr>
+              <a:cxnSpLocks/>
+            </p:cNvCxnSpPr>
+            <p:nvPr/>
+          </p:nvCxnSpPr>
+          <p:spPr>
+            <a:xfrm>
+              <a:off x="7985392" y="1262641"/>
+              <a:ext cx="476250" cy="180975"/>
+            </a:xfrm>
+            <a:prstGeom prst="curvedConnector3">
+              <a:avLst>
+                <a:gd name="adj1" fmla="val 0"/>
+              </a:avLst>
+            </a:prstGeom>
+            <a:ln>
+              <a:solidFill>
+                <a:schemeClr val="bg1"/>
+              </a:solidFill>
+            </a:ln>
+          </p:spPr>
+          <p:style>
+            <a:lnRef idx="2">
+              <a:schemeClr val="accent1"/>
+            </a:lnRef>
+            <a:fillRef idx="0">
+              <a:schemeClr val="accent1"/>
+            </a:fillRef>
+            <a:effectRef idx="1">
+              <a:schemeClr val="accent1"/>
+            </a:effectRef>
+            <a:fontRef idx="minor">
+              <a:schemeClr val="tx1"/>
+            </a:fontRef>
+          </p:style>
+        </p:cxnSp>
+        <p:cxnSp>
+          <p:nvCxnSpPr>
+            <p:cNvPr id="32" name="Connector: Curved 31">
+              <a:extLst>
+                <a:ext uri="{FF2B5EF4-FFF2-40B4-BE49-F238E27FC236}">
+                  <a16:creationId xmlns:a16="http://schemas.microsoft.com/office/drawing/2014/main" id="{4FBC6821-BE54-DE59-2585-E4E637C8723B}"/>
+                </a:ext>
+              </a:extLst>
+            </p:cNvPr>
+            <p:cNvCxnSpPr>
+              <a:cxnSpLocks/>
+            </p:cNvCxnSpPr>
+            <p:nvPr/>
+          </p:nvCxnSpPr>
+          <p:spPr>
+            <a:xfrm>
+              <a:off x="7985392" y="2123455"/>
+              <a:ext cx="476251" cy="180975"/>
+            </a:xfrm>
+            <a:prstGeom prst="curvedConnector3">
+              <a:avLst>
+                <a:gd name="adj1" fmla="val 0"/>
+              </a:avLst>
+            </a:prstGeom>
+            <a:ln>
+              <a:solidFill>
+                <a:schemeClr val="bg1"/>
+              </a:solidFill>
+            </a:ln>
+          </p:spPr>
+          <p:style>
+            <a:lnRef idx="2">
+              <a:schemeClr val="accent1"/>
+            </a:lnRef>
+            <a:fillRef idx="0">
+              <a:schemeClr val="accent1"/>
+            </a:fillRef>
+            <a:effectRef idx="1">
+              <a:schemeClr val="accent1"/>
+            </a:effectRef>
+            <a:fontRef idx="minor">
+              <a:schemeClr val="tx1"/>
+            </a:fontRef>
+          </p:style>
+        </p:cxnSp>
+        <p:cxnSp>
+          <p:nvCxnSpPr>
+            <p:cNvPr id="33" name="Connector: Curved 32">
+              <a:extLst>
+                <a:ext uri="{FF2B5EF4-FFF2-40B4-BE49-F238E27FC236}">
+                  <a16:creationId xmlns:a16="http://schemas.microsoft.com/office/drawing/2014/main" id="{4F3101F5-D9BA-E7E7-FC49-D97DA0410EE1}"/>
+                </a:ext>
+              </a:extLst>
+            </p:cNvPr>
+            <p:cNvCxnSpPr>
+              <a:cxnSpLocks/>
+            </p:cNvCxnSpPr>
+            <p:nvPr/>
+          </p:nvCxnSpPr>
+          <p:spPr>
+            <a:xfrm>
+              <a:off x="7985392" y="2957950"/>
+              <a:ext cx="476251" cy="180975"/>
+            </a:xfrm>
+            <a:prstGeom prst="curvedConnector3">
+              <a:avLst>
+                <a:gd name="adj1" fmla="val 0"/>
+              </a:avLst>
+            </a:prstGeom>
+            <a:ln>
+              <a:solidFill>
+                <a:schemeClr val="bg1"/>
+              </a:solidFill>
+            </a:ln>
+          </p:spPr>
+          <p:style>
+            <a:lnRef idx="2">
+              <a:schemeClr val="accent1"/>
+            </a:lnRef>
+            <a:fillRef idx="0">
+              <a:schemeClr val="accent1"/>
+            </a:fillRef>
+            <a:effectRef idx="1">
+              <a:schemeClr val="accent1"/>
+            </a:effectRef>
+            <a:fontRef idx="minor">
+              <a:schemeClr val="tx1"/>
+            </a:fontRef>
+          </p:style>
+        </p:cxnSp>
+        <p:cxnSp>
+          <p:nvCxnSpPr>
+            <p:cNvPr id="35" name="Connector: Curved 34">
+              <a:extLst>
+                <a:ext uri="{FF2B5EF4-FFF2-40B4-BE49-F238E27FC236}">
+                  <a16:creationId xmlns:a16="http://schemas.microsoft.com/office/drawing/2014/main" id="{A1962624-E33B-7963-7E93-B9A572940133}"/>
+                </a:ext>
+              </a:extLst>
+            </p:cNvPr>
+            <p:cNvCxnSpPr>
+              <a:cxnSpLocks/>
+            </p:cNvCxnSpPr>
+            <p:nvPr/>
+          </p:nvCxnSpPr>
+          <p:spPr>
+            <a:xfrm>
+              <a:off x="8907465" y="1894627"/>
+              <a:ext cx="476250" cy="180975"/>
+            </a:xfrm>
+            <a:prstGeom prst="curvedConnector3">
+              <a:avLst>
+                <a:gd name="adj1" fmla="val 0"/>
+              </a:avLst>
+            </a:prstGeom>
+            <a:ln>
+              <a:solidFill>
+                <a:schemeClr val="bg1"/>
+              </a:solidFill>
+            </a:ln>
+          </p:spPr>
+          <p:style>
+            <a:lnRef idx="2">
+              <a:schemeClr val="accent1"/>
+            </a:lnRef>
+            <a:fillRef idx="0">
+              <a:schemeClr val="accent1"/>
+            </a:fillRef>
+            <a:effectRef idx="1">
+              <a:schemeClr val="accent1"/>
+            </a:effectRef>
+            <a:fontRef idx="minor">
+              <a:schemeClr val="tx1"/>
+            </a:fontRef>
+          </p:style>
+        </p:cxnSp>
+        <p:cxnSp>
+          <p:nvCxnSpPr>
+            <p:cNvPr id="36" name="Connector: Curved 35">
+              <a:extLst>
+                <a:ext uri="{FF2B5EF4-FFF2-40B4-BE49-F238E27FC236}">
+                  <a16:creationId xmlns:a16="http://schemas.microsoft.com/office/drawing/2014/main" id="{78658E87-3DC4-7294-776C-3731B91A37FC}"/>
+                </a:ext>
+              </a:extLst>
+            </p:cNvPr>
+            <p:cNvCxnSpPr>
+              <a:cxnSpLocks/>
+            </p:cNvCxnSpPr>
+            <p:nvPr/>
+          </p:nvCxnSpPr>
+          <p:spPr>
+            <a:xfrm>
+              <a:off x="8907465" y="2748863"/>
+              <a:ext cx="476251" cy="180975"/>
+            </a:xfrm>
+            <a:prstGeom prst="curvedConnector3">
+              <a:avLst>
+                <a:gd name="adj1" fmla="val 0"/>
+              </a:avLst>
+            </a:prstGeom>
+            <a:ln>
+              <a:solidFill>
+                <a:schemeClr val="bg1"/>
+              </a:solidFill>
+            </a:ln>
+          </p:spPr>
+          <p:style>
+            <a:lnRef idx="2">
+              <a:schemeClr val="accent1"/>
+            </a:lnRef>
+            <a:fillRef idx="0">
+              <a:schemeClr val="accent1"/>
+            </a:fillRef>
+            <a:effectRef idx="1">
+              <a:schemeClr val="accent1"/>
+            </a:effectRef>
+            <a:fontRef idx="minor">
+              <a:schemeClr val="tx1"/>
+            </a:fontRef>
+          </p:style>
+        </p:cxnSp>
+        <p:cxnSp>
+          <p:nvCxnSpPr>
+            <p:cNvPr id="37" name="Connector: Curved 36">
+              <a:extLst>
+                <a:ext uri="{FF2B5EF4-FFF2-40B4-BE49-F238E27FC236}">
+                  <a16:creationId xmlns:a16="http://schemas.microsoft.com/office/drawing/2014/main" id="{A702CF8C-2D9B-0067-A3FB-F0FA83CF9491}"/>
+                </a:ext>
+              </a:extLst>
+            </p:cNvPr>
+            <p:cNvCxnSpPr>
+              <a:cxnSpLocks/>
+            </p:cNvCxnSpPr>
+            <p:nvPr/>
+          </p:nvCxnSpPr>
+          <p:spPr>
+            <a:xfrm>
+              <a:off x="8907465" y="3603092"/>
+              <a:ext cx="476251" cy="180975"/>
+            </a:xfrm>
+            <a:prstGeom prst="curvedConnector3">
+              <a:avLst>
+                <a:gd name="adj1" fmla="val 0"/>
+              </a:avLst>
+            </a:prstGeom>
+            <a:ln>
+              <a:solidFill>
+                <a:schemeClr val="bg1"/>
+              </a:solidFill>
+            </a:ln>
+          </p:spPr>
+          <p:style>
+            <a:lnRef idx="2">
+              <a:schemeClr val="accent1"/>
+            </a:lnRef>
+            <a:fillRef idx="0">
+              <a:schemeClr val="accent1"/>
+            </a:fillRef>
+            <a:effectRef idx="1">
+              <a:schemeClr val="accent1"/>
+            </a:effectRef>
+            <a:fontRef idx="minor">
+              <a:schemeClr val="tx1"/>
+            </a:fontRef>
+          </p:style>
+        </p:cxnSp>
+        <p:cxnSp>
+          <p:nvCxnSpPr>
+            <p:cNvPr id="38" name="Connector: Curved 37">
+              <a:extLst>
+                <a:ext uri="{FF2B5EF4-FFF2-40B4-BE49-F238E27FC236}">
+                  <a16:creationId xmlns:a16="http://schemas.microsoft.com/office/drawing/2014/main" id="{93614449-3E40-931C-DF56-8E5266115D79}"/>
+                </a:ext>
+              </a:extLst>
+            </p:cNvPr>
+            <p:cNvCxnSpPr>
+              <a:cxnSpLocks/>
+            </p:cNvCxnSpPr>
+            <p:nvPr/>
+          </p:nvCxnSpPr>
+          <p:spPr>
+            <a:xfrm>
+              <a:off x="8461642" y="3177166"/>
+              <a:ext cx="476251" cy="180975"/>
+            </a:xfrm>
+            <a:prstGeom prst="curvedConnector3">
+              <a:avLst>
+                <a:gd name="adj1" fmla="val 0"/>
+              </a:avLst>
+            </a:prstGeom>
+            <a:ln>
+              <a:solidFill>
+                <a:schemeClr val="bg1"/>
+              </a:solidFill>
+            </a:ln>
+          </p:spPr>
+          <p:style>
+            <a:lnRef idx="2">
+              <a:schemeClr val="accent1"/>
+            </a:lnRef>
+            <a:fillRef idx="0">
+              <a:schemeClr val="accent1"/>
+            </a:fillRef>
+            <a:effectRef idx="1">
+              <a:schemeClr val="accent1"/>
+            </a:effectRef>
+            <a:fontRef idx="minor">
+              <a:schemeClr val="tx1"/>
+            </a:fontRef>
+          </p:style>
+        </p:cxnSp>
+        <p:cxnSp>
+          <p:nvCxnSpPr>
+            <p:cNvPr id="39" name="Connector: Curved 38">
+              <a:extLst>
+                <a:ext uri="{FF2B5EF4-FFF2-40B4-BE49-F238E27FC236}">
+                  <a16:creationId xmlns:a16="http://schemas.microsoft.com/office/drawing/2014/main" id="{1C58BEBC-B8C1-CA57-BC9B-BDABDC5484AB}"/>
+                </a:ext>
+              </a:extLst>
+            </p:cNvPr>
+            <p:cNvCxnSpPr>
+              <a:cxnSpLocks/>
+            </p:cNvCxnSpPr>
+            <p:nvPr/>
+          </p:nvCxnSpPr>
+          <p:spPr>
+            <a:xfrm>
+              <a:off x="8461642" y="3393435"/>
+              <a:ext cx="476251" cy="180975"/>
+            </a:xfrm>
+            <a:prstGeom prst="curvedConnector3">
+              <a:avLst>
+                <a:gd name="adj1" fmla="val 0"/>
+              </a:avLst>
+            </a:prstGeom>
+            <a:ln>
+              <a:solidFill>
+                <a:schemeClr val="bg1"/>
+              </a:solidFill>
+            </a:ln>
+          </p:spPr>
+          <p:style>
+            <a:lnRef idx="2">
+              <a:schemeClr val="accent1"/>
+            </a:lnRef>
+            <a:fillRef idx="0">
+              <a:schemeClr val="accent1"/>
+            </a:fillRef>
+            <a:effectRef idx="1">
+              <a:schemeClr val="accent1"/>
+            </a:effectRef>
+            <a:fontRef idx="minor">
+              <a:schemeClr val="tx1"/>
+            </a:fontRef>
+          </p:style>
+        </p:cxnSp>
+        <p:cxnSp>
+          <p:nvCxnSpPr>
+            <p:cNvPr id="40" name="Straight Connector 39">
+              <a:extLst>
+                <a:ext uri="{FF2B5EF4-FFF2-40B4-BE49-F238E27FC236}">
+                  <a16:creationId xmlns:a16="http://schemas.microsoft.com/office/drawing/2014/main" id="{B237D5FC-71A9-0681-A605-755ECC3F4D4A}"/>
+                </a:ext>
+              </a:extLst>
+            </p:cNvPr>
+            <p:cNvCxnSpPr>
+              <a:cxnSpLocks/>
+            </p:cNvCxnSpPr>
+            <p:nvPr/>
+          </p:nvCxnSpPr>
+          <p:spPr>
+            <a:xfrm flipH="1">
+              <a:off x="8461642" y="3150985"/>
+              <a:ext cx="2402" cy="332937"/>
+            </a:xfrm>
+            <a:prstGeom prst="line">
+              <a:avLst/>
+            </a:prstGeom>
+            <a:ln>
+              <a:solidFill>
+                <a:schemeClr val="bg1"/>
+              </a:solidFill>
+            </a:ln>
+          </p:spPr>
+          <p:style>
+            <a:lnRef idx="2">
+              <a:schemeClr val="accent1"/>
+            </a:lnRef>
+            <a:fillRef idx="0">
+              <a:schemeClr val="accent1"/>
+            </a:fillRef>
+            <a:effectRef idx="1">
+              <a:schemeClr val="accent1"/>
+            </a:effectRef>
+            <a:fontRef idx="minor">
+              <a:schemeClr val="tx1"/>
+            </a:fontRef>
+          </p:style>
+        </p:cxnSp>
+        <p:cxnSp>
+          <p:nvCxnSpPr>
+            <p:cNvPr id="41" name="Connector: Curved 40">
+              <a:extLst>
+                <a:ext uri="{FF2B5EF4-FFF2-40B4-BE49-F238E27FC236}">
+                  <a16:creationId xmlns:a16="http://schemas.microsoft.com/office/drawing/2014/main" id="{FEC749B9-BBF6-81C6-F89F-9C7F18FBD1C7}"/>
+                </a:ext>
+              </a:extLst>
+            </p:cNvPr>
+            <p:cNvCxnSpPr>
+              <a:cxnSpLocks/>
+            </p:cNvCxnSpPr>
+            <p:nvPr/>
+          </p:nvCxnSpPr>
+          <p:spPr>
+            <a:xfrm>
+              <a:off x="8448213" y="2323295"/>
+              <a:ext cx="476251" cy="180975"/>
+            </a:xfrm>
+            <a:prstGeom prst="curvedConnector3">
+              <a:avLst>
+                <a:gd name="adj1" fmla="val 0"/>
+              </a:avLst>
+            </a:prstGeom>
+            <a:ln>
+              <a:solidFill>
+                <a:schemeClr val="bg1"/>
+              </a:solidFill>
+            </a:ln>
+          </p:spPr>
+          <p:style>
+            <a:lnRef idx="2">
+              <a:schemeClr val="accent1"/>
+            </a:lnRef>
+            <a:fillRef idx="0">
+              <a:schemeClr val="accent1"/>
+            </a:fillRef>
+            <a:effectRef idx="1">
+              <a:schemeClr val="accent1"/>
+            </a:effectRef>
+            <a:fontRef idx="minor">
+              <a:schemeClr val="tx1"/>
+            </a:fontRef>
+          </p:style>
+        </p:cxnSp>
+        <p:cxnSp>
+          <p:nvCxnSpPr>
+            <p:cNvPr id="42" name="Connector: Curved 41">
+              <a:extLst>
+                <a:ext uri="{FF2B5EF4-FFF2-40B4-BE49-F238E27FC236}">
+                  <a16:creationId xmlns:a16="http://schemas.microsoft.com/office/drawing/2014/main" id="{A5775F4B-38F2-46CD-40E3-7E6251A521ED}"/>
+                </a:ext>
+              </a:extLst>
+            </p:cNvPr>
+            <p:cNvCxnSpPr>
+              <a:cxnSpLocks/>
+            </p:cNvCxnSpPr>
+            <p:nvPr/>
+          </p:nvCxnSpPr>
+          <p:spPr>
+            <a:xfrm>
+              <a:off x="8448213" y="2539564"/>
+              <a:ext cx="476251" cy="180975"/>
+            </a:xfrm>
+            <a:prstGeom prst="curvedConnector3">
+              <a:avLst>
+                <a:gd name="adj1" fmla="val 0"/>
+              </a:avLst>
+            </a:prstGeom>
+            <a:ln>
+              <a:solidFill>
+                <a:schemeClr val="bg1"/>
+              </a:solidFill>
+            </a:ln>
+          </p:spPr>
+          <p:style>
+            <a:lnRef idx="2">
+              <a:schemeClr val="accent1"/>
+            </a:lnRef>
+            <a:fillRef idx="0">
+              <a:schemeClr val="accent1"/>
+            </a:fillRef>
+            <a:effectRef idx="1">
+              <a:schemeClr val="accent1"/>
+            </a:effectRef>
+            <a:fontRef idx="minor">
+              <a:schemeClr val="tx1"/>
+            </a:fontRef>
+          </p:style>
+        </p:cxnSp>
+        <p:cxnSp>
+          <p:nvCxnSpPr>
+            <p:cNvPr id="43" name="Straight Connector 42">
+              <a:extLst>
+                <a:ext uri="{FF2B5EF4-FFF2-40B4-BE49-F238E27FC236}">
+                  <a16:creationId xmlns:a16="http://schemas.microsoft.com/office/drawing/2014/main" id="{E66EB251-8816-A261-2B56-5C9563B802CC}"/>
+                </a:ext>
+              </a:extLst>
+            </p:cNvPr>
+            <p:cNvCxnSpPr>
+              <a:cxnSpLocks/>
+            </p:cNvCxnSpPr>
+            <p:nvPr/>
+          </p:nvCxnSpPr>
+          <p:spPr>
+            <a:xfrm flipH="1">
+              <a:off x="8448213" y="2297114"/>
+              <a:ext cx="2402" cy="332937"/>
+            </a:xfrm>
+            <a:prstGeom prst="line">
+              <a:avLst/>
+            </a:prstGeom>
+            <a:ln>
+              <a:solidFill>
+                <a:schemeClr val="bg1"/>
+              </a:solidFill>
+            </a:ln>
+          </p:spPr>
+          <p:style>
+            <a:lnRef idx="2">
+              <a:schemeClr val="accent1"/>
+            </a:lnRef>
+            <a:fillRef idx="0">
+              <a:schemeClr val="accent1"/>
+            </a:fillRef>
+            <a:effectRef idx="1">
+              <a:schemeClr val="accent1"/>
+            </a:effectRef>
+            <a:fontRef idx="minor">
+              <a:schemeClr val="tx1"/>
+            </a:fontRef>
+          </p:style>
+        </p:cxnSp>
+        <p:cxnSp>
+          <p:nvCxnSpPr>
+            <p:cNvPr id="44" name="Connector: Curved 43">
+              <a:extLst>
+                <a:ext uri="{FF2B5EF4-FFF2-40B4-BE49-F238E27FC236}">
+                  <a16:creationId xmlns:a16="http://schemas.microsoft.com/office/drawing/2014/main" id="{17215D9C-143B-1EEF-49FB-A96DC72E0A9E}"/>
+                </a:ext>
+              </a:extLst>
+            </p:cNvPr>
+            <p:cNvCxnSpPr>
+              <a:cxnSpLocks/>
+            </p:cNvCxnSpPr>
+            <p:nvPr/>
+          </p:nvCxnSpPr>
+          <p:spPr>
+            <a:xfrm>
+              <a:off x="8461642" y="1473307"/>
+              <a:ext cx="476251" cy="180975"/>
+            </a:xfrm>
+            <a:prstGeom prst="curvedConnector3">
+              <a:avLst>
+                <a:gd name="adj1" fmla="val 0"/>
+              </a:avLst>
+            </a:prstGeom>
+            <a:ln>
+              <a:solidFill>
+                <a:schemeClr val="bg1"/>
+              </a:solidFill>
+            </a:ln>
+          </p:spPr>
+          <p:style>
+            <a:lnRef idx="2">
+              <a:schemeClr val="accent1"/>
+            </a:lnRef>
+            <a:fillRef idx="0">
+              <a:schemeClr val="accent1"/>
+            </a:fillRef>
+            <a:effectRef idx="1">
+              <a:schemeClr val="accent1"/>
+            </a:effectRef>
+            <a:fontRef idx="minor">
+              <a:schemeClr val="tx1"/>
+            </a:fontRef>
+          </p:style>
+        </p:cxnSp>
+        <p:cxnSp>
+          <p:nvCxnSpPr>
+            <p:cNvPr id="45" name="Connector: Curved 44">
+              <a:extLst>
+                <a:ext uri="{FF2B5EF4-FFF2-40B4-BE49-F238E27FC236}">
+                  <a16:creationId xmlns:a16="http://schemas.microsoft.com/office/drawing/2014/main" id="{3C24A9D9-5B5D-2AC6-55F2-0E452833DFE9}"/>
+                </a:ext>
+              </a:extLst>
+            </p:cNvPr>
+            <p:cNvCxnSpPr>
+              <a:cxnSpLocks/>
+            </p:cNvCxnSpPr>
+            <p:nvPr/>
+          </p:nvCxnSpPr>
+          <p:spPr>
+            <a:xfrm>
+              <a:off x="8461642" y="1689576"/>
+              <a:ext cx="476251" cy="180975"/>
+            </a:xfrm>
+            <a:prstGeom prst="curvedConnector3">
+              <a:avLst>
+                <a:gd name="adj1" fmla="val 0"/>
+              </a:avLst>
+            </a:prstGeom>
+            <a:ln>
+              <a:solidFill>
+                <a:schemeClr val="bg1"/>
+              </a:solidFill>
+            </a:ln>
+          </p:spPr>
+          <p:style>
+            <a:lnRef idx="2">
+              <a:schemeClr val="accent1"/>
+            </a:lnRef>
+            <a:fillRef idx="0">
+              <a:schemeClr val="accent1"/>
+            </a:fillRef>
+            <a:effectRef idx="1">
+              <a:schemeClr val="accent1"/>
+            </a:effectRef>
+            <a:fontRef idx="minor">
+              <a:schemeClr val="tx1"/>
+            </a:fontRef>
+          </p:style>
+        </p:cxnSp>
+        <p:cxnSp>
+          <p:nvCxnSpPr>
+            <p:cNvPr id="46" name="Straight Connector 45">
+              <a:extLst>
+                <a:ext uri="{FF2B5EF4-FFF2-40B4-BE49-F238E27FC236}">
+                  <a16:creationId xmlns:a16="http://schemas.microsoft.com/office/drawing/2014/main" id="{A1E710D9-C185-F71A-FE6F-04F907425223}"/>
+                </a:ext>
+              </a:extLst>
+            </p:cNvPr>
+            <p:cNvCxnSpPr>
+              <a:cxnSpLocks/>
+            </p:cNvCxnSpPr>
+            <p:nvPr/>
+          </p:nvCxnSpPr>
+          <p:spPr>
+            <a:xfrm flipH="1">
+              <a:off x="8461642" y="1447126"/>
+              <a:ext cx="2402" cy="332937"/>
+            </a:xfrm>
+            <a:prstGeom prst="line">
+              <a:avLst/>
+            </a:prstGeom>
+            <a:ln>
+              <a:solidFill>
+                <a:schemeClr val="bg1"/>
+              </a:solidFill>
+            </a:ln>
+          </p:spPr>
+          <p:style>
+            <a:lnRef idx="2">
+              <a:schemeClr val="accent1"/>
+            </a:lnRef>
+            <a:fillRef idx="0">
+              <a:schemeClr val="accent1"/>
+            </a:fillRef>
+            <a:effectRef idx="1">
+              <a:schemeClr val="accent1"/>
+            </a:effectRef>
+            <a:fontRef idx="minor">
+              <a:schemeClr val="tx1"/>
+            </a:fontRef>
+          </p:style>
+        </p:cxnSp>
+        <p:cxnSp>
+          <p:nvCxnSpPr>
+            <p:cNvPr id="4" name="Connector: Curved 3">
+              <a:extLst>
+                <a:ext uri="{FF2B5EF4-FFF2-40B4-BE49-F238E27FC236}">
+                  <a16:creationId xmlns:a16="http://schemas.microsoft.com/office/drawing/2014/main" id="{1DC083D8-7502-DCAD-61FF-4F0012C7A238}"/>
+                </a:ext>
+              </a:extLst>
+            </p:cNvPr>
+            <p:cNvCxnSpPr>
+              <a:cxnSpLocks/>
+            </p:cNvCxnSpPr>
+            <p:nvPr/>
+          </p:nvCxnSpPr>
+          <p:spPr>
+            <a:xfrm>
+              <a:off x="5475514" y="1277167"/>
+              <a:ext cx="476250" cy="180975"/>
+            </a:xfrm>
+            <a:prstGeom prst="curvedConnector3">
+              <a:avLst>
+                <a:gd name="adj1" fmla="val 0"/>
+              </a:avLst>
+            </a:prstGeom>
+            <a:ln>
+              <a:solidFill>
+                <a:schemeClr val="bg1"/>
+              </a:solidFill>
+            </a:ln>
+          </p:spPr>
+          <p:style>
+            <a:lnRef idx="2">
+              <a:schemeClr val="accent1"/>
+            </a:lnRef>
+            <a:fillRef idx="0">
+              <a:schemeClr val="accent1"/>
+            </a:fillRef>
+            <a:effectRef idx="1">
+              <a:schemeClr val="accent1"/>
+            </a:effectRef>
+            <a:fontRef idx="minor">
+              <a:schemeClr val="tx1"/>
+            </a:fontRef>
+          </p:style>
+        </p:cxnSp>
+      </p:grpSp>
     </p:spTree>
     <p:extLst>
       <p:ext uri="{BB962C8B-B14F-4D97-AF65-F5344CB8AC3E}">
